--- a/doc/livrables/Projet5_OpenFoodFacts_Oral.pptx
+++ b/doc/livrables/Projet5_OpenFoodFacts_Oral.pptx
@@ -16,7 +16,7 @@
     <p:sldId id="265" r:id="rId7"/>
     <p:sldId id="266" r:id="rId8"/>
     <p:sldId id="268" r:id="rId9"/>
-    <p:sldId id="269" r:id="rId10"/>
+    <p:sldId id="272" r:id="rId10"/>
     <p:sldId id="270" r:id="rId11"/>
   </p:sldIdLst>
   <p:sldSz cx="12192000" cy="6858000"/>
@@ -217,7 +217,7 @@
           <a:p>
             <a:fld id="{112819D6-9618-45CA-A4D0-F3F0B09DC02D}" type="datetimeFigureOut">
               <a:rPr lang="fr-FR" smtClean="0"/>
-              <a:t>04/01/2018</a:t>
+              <a:t>06/01/2018</a:t>
             </a:fld>
             <a:endParaRPr lang="fr-FR"/>
           </a:p>
@@ -616,7 +616,7 @@
           <a:p>
             <a:fld id="{79C2CD3C-23E9-4BF9-92A5-02D69918904F}" type="datetimeFigureOut">
               <a:rPr lang="fr-FR" smtClean="0"/>
-              <a:t>04/01/2018</a:t>
+              <a:t>06/01/2018</a:t>
             </a:fld>
             <a:endParaRPr lang="fr-FR"/>
           </a:p>
@@ -786,7 +786,7 @@
           <a:p>
             <a:fld id="{79C2CD3C-23E9-4BF9-92A5-02D69918904F}" type="datetimeFigureOut">
               <a:rPr lang="fr-FR" smtClean="0"/>
-              <a:t>04/01/2018</a:t>
+              <a:t>06/01/2018</a:t>
             </a:fld>
             <a:endParaRPr lang="fr-FR"/>
           </a:p>
@@ -966,7 +966,7 @@
           <a:p>
             <a:fld id="{79C2CD3C-23E9-4BF9-92A5-02D69918904F}" type="datetimeFigureOut">
               <a:rPr lang="fr-FR" smtClean="0"/>
-              <a:t>04/01/2018</a:t>
+              <a:t>06/01/2018</a:t>
             </a:fld>
             <a:endParaRPr lang="fr-FR"/>
           </a:p>
@@ -1136,7 +1136,7 @@
           <a:p>
             <a:fld id="{79C2CD3C-23E9-4BF9-92A5-02D69918904F}" type="datetimeFigureOut">
               <a:rPr lang="fr-FR" smtClean="0"/>
-              <a:t>04/01/2018</a:t>
+              <a:t>06/01/2018</a:t>
             </a:fld>
             <a:endParaRPr lang="fr-FR"/>
           </a:p>
@@ -1382,7 +1382,7 @@
           <a:p>
             <a:fld id="{79C2CD3C-23E9-4BF9-92A5-02D69918904F}" type="datetimeFigureOut">
               <a:rPr lang="fr-FR" smtClean="0"/>
-              <a:t>04/01/2018</a:t>
+              <a:t>06/01/2018</a:t>
             </a:fld>
             <a:endParaRPr lang="fr-FR"/>
           </a:p>
@@ -1614,7 +1614,7 @@
           <a:p>
             <a:fld id="{79C2CD3C-23E9-4BF9-92A5-02D69918904F}" type="datetimeFigureOut">
               <a:rPr lang="fr-FR" smtClean="0"/>
-              <a:t>04/01/2018</a:t>
+              <a:t>06/01/2018</a:t>
             </a:fld>
             <a:endParaRPr lang="fr-FR"/>
           </a:p>
@@ -1981,7 +1981,7 @@
           <a:p>
             <a:fld id="{79C2CD3C-23E9-4BF9-92A5-02D69918904F}" type="datetimeFigureOut">
               <a:rPr lang="fr-FR" smtClean="0"/>
-              <a:t>04/01/2018</a:t>
+              <a:t>06/01/2018</a:t>
             </a:fld>
             <a:endParaRPr lang="fr-FR"/>
           </a:p>
@@ -2099,7 +2099,7 @@
           <a:p>
             <a:fld id="{79C2CD3C-23E9-4BF9-92A5-02D69918904F}" type="datetimeFigureOut">
               <a:rPr lang="fr-FR" smtClean="0"/>
-              <a:t>04/01/2018</a:t>
+              <a:t>06/01/2018</a:t>
             </a:fld>
             <a:endParaRPr lang="fr-FR"/>
           </a:p>
@@ -2194,7 +2194,7 @@
           <a:p>
             <a:fld id="{79C2CD3C-23E9-4BF9-92A5-02D69918904F}" type="datetimeFigureOut">
               <a:rPr lang="fr-FR" smtClean="0"/>
-              <a:t>04/01/2018</a:t>
+              <a:t>06/01/2018</a:t>
             </a:fld>
             <a:endParaRPr lang="fr-FR"/>
           </a:p>
@@ -2471,7 +2471,7 @@
           <a:p>
             <a:fld id="{79C2CD3C-23E9-4BF9-92A5-02D69918904F}" type="datetimeFigureOut">
               <a:rPr lang="fr-FR" smtClean="0"/>
-              <a:t>04/01/2018</a:t>
+              <a:t>06/01/2018</a:t>
             </a:fld>
             <a:endParaRPr lang="fr-FR"/>
           </a:p>
@@ -2724,7 +2724,7 @@
           <a:p>
             <a:fld id="{79C2CD3C-23E9-4BF9-92A5-02D69918904F}" type="datetimeFigureOut">
               <a:rPr lang="fr-FR" smtClean="0"/>
-              <a:t>04/01/2018</a:t>
+              <a:t>06/01/2018</a:t>
             </a:fld>
             <a:endParaRPr lang="fr-FR"/>
           </a:p>
@@ -2937,7 +2937,7 @@
           <a:p>
             <a:fld id="{79C2CD3C-23E9-4BF9-92A5-02D69918904F}" type="datetimeFigureOut">
               <a:rPr lang="fr-FR" smtClean="0"/>
-              <a:t>04/01/2018</a:t>
+              <a:t>06/01/2018</a:t>
             </a:fld>
             <a:endParaRPr lang="fr-FR"/>
           </a:p>
@@ -4629,7 +4629,7 @@
         </p:nvSpPr>
         <p:spPr>
           <a:xfrm>
-            <a:off x="838200" y="2009899"/>
+            <a:off x="838200" y="3891540"/>
             <a:ext cx="10515600" cy="1325563"/>
           </a:xfrm>
           <a:prstGeom prst="rect">
@@ -4665,7 +4665,13 @@
               <a:rPr lang="fr-FR" b="1" dirty="0" smtClean="0">
                 <a:latin typeface="Akzidenz-Grotesk BQ" pitchFamily="50" charset="0"/>
               </a:rPr>
-              <a:t>Compétences acquises</a:t>
+              <a:t>Compétences </a:t>
+            </a:r>
+            <a:r>
+              <a:rPr lang="fr-FR" b="1" dirty="0" smtClean="0">
+                <a:latin typeface="Akzidenz-Grotesk BQ" pitchFamily="50" charset="0"/>
+              </a:rPr>
+              <a:t>renforcées</a:t>
             </a:r>
             <a:endParaRPr lang="fr-FR" b="1" dirty="0">
               <a:latin typeface="Akzidenz-Grotesk BQ" pitchFamily="50" charset="0"/>
@@ -4681,7 +4687,7 @@
         </p:nvSpPr>
         <p:spPr>
           <a:xfrm>
-            <a:off x="1123617" y="3351282"/>
+            <a:off x="1123617" y="4877324"/>
             <a:ext cx="10108685" cy="1815882"/>
           </a:xfrm>
           <a:prstGeom prst="rect">
@@ -4700,19 +4706,11 @@
             </a:pPr>
             <a:r>
               <a:rPr lang="fr-FR" sz="2800" dirty="0" smtClean="0"/>
-              <a:t>Utiliser </a:t>
+              <a:t>Utiliser plusieurs librairies tierces et lire des documentations</a:t>
             </a:r>
             <a:r>
               <a:rPr lang="fr-FR" sz="2800" dirty="0"/>
-              <a:t>la librairie </a:t>
-            </a:r>
-            <a:r>
-              <a:rPr lang="fr-FR" sz="2800" dirty="0" err="1"/>
-              <a:t>Pygame</a:t>
-            </a:r>
-            <a:r>
-              <a:rPr lang="fr-FR" sz="2800" dirty="0"/>
-              <a:t> et par conséquent la SDL ;</a:t>
+              <a:t> ;</a:t>
             </a:r>
           </a:p>
           <a:p>
@@ -4722,7 +4720,11 @@
             </a:pPr>
             <a:r>
               <a:rPr lang="fr-FR" sz="2800" dirty="0"/>
-              <a:t>Structurer un projet ;</a:t>
+              <a:t>Structurer un projet </a:t>
+            </a:r>
+            <a:r>
+              <a:rPr lang="fr-FR" sz="2800" dirty="0" smtClean="0"/>
+              <a:t>;</a:t>
             </a:r>
           </a:p>
           <a:p>
@@ -4731,16 +4733,8 @@
               <a:buChar char="•"/>
             </a:pPr>
             <a:r>
-              <a:rPr lang="fr-FR" sz="2800" dirty="0"/>
-              <a:t>Créer un fichier de License pour </a:t>
-            </a:r>
-            <a:r>
-              <a:rPr lang="fr-FR" sz="2800" dirty="0" err="1"/>
-              <a:t>GitHub</a:t>
-            </a:r>
-            <a:r>
-              <a:rPr lang="fr-FR" sz="2800" dirty="0"/>
-              <a:t> ;</a:t>
+              <a:rPr lang="fr-FR" sz="2800" dirty="0" smtClean="0"/>
+              <a:t>Construire une base de données ;</a:t>
             </a:r>
           </a:p>
           <a:p>
@@ -4749,22 +4743,129 @@
               <a:buChar char="•"/>
             </a:pPr>
             <a:r>
+              <a:rPr lang="fr-FR" sz="2800" dirty="0" smtClean="0"/>
+              <a:t>Écrire un </a:t>
+            </a:r>
+            <a:r>
+              <a:rPr lang="fr-FR" sz="2800" dirty="0" err="1" smtClean="0"/>
+              <a:t>Readme</a:t>
+            </a:r>
+            <a:r>
+              <a:rPr lang="fr-FR" sz="2800" dirty="0" smtClean="0"/>
+              <a:t>.</a:t>
+            </a:r>
+            <a:endParaRPr lang="fr-FR" sz="2800" dirty="0"/>
+          </a:p>
+        </p:txBody>
+      </p:sp>
+      <p:sp>
+        <p:nvSpPr>
+          <p:cNvPr id="16" name="Titre 1"/>
+          <p:cNvSpPr txBox="1">
+            <a:spLocks/>
+          </p:cNvSpPr>
+          <p:nvPr/>
+        </p:nvSpPr>
+        <p:spPr>
+          <a:xfrm>
+            <a:off x="838200" y="1720185"/>
+            <a:ext cx="10515600" cy="1325563"/>
+          </a:xfrm>
+          <a:prstGeom prst="rect">
+            <a:avLst/>
+          </a:prstGeom>
+        </p:spPr>
+        <p:txBody>
+          <a:bodyPr vert="horz" lIns="91440" tIns="45720" rIns="91440" bIns="45720" rtlCol="0" anchor="ctr">
+            <a:normAutofit/>
+          </a:bodyPr>
+          <a:lstStyle>
+            <a:lvl1pPr algn="l" defTabSz="914400" rtl="0" eaLnBrk="1" latinLnBrk="0" hangingPunct="1">
+              <a:lnSpc>
+                <a:spcPct val="90000"/>
+              </a:lnSpc>
+              <a:spcBef>
+                <a:spcPct val="0"/>
+              </a:spcBef>
+              <a:buNone/>
+              <a:defRPr sz="4400" kern="1200">
+                <a:solidFill>
+                  <a:schemeClr val="tx1"/>
+                </a:solidFill>
+                <a:latin typeface="+mj-lt"/>
+                <a:ea typeface="+mj-ea"/>
+                <a:cs typeface="+mj-cs"/>
+              </a:defRPr>
+            </a:lvl1pPr>
+          </a:lstStyle>
+          <a:p>
+            <a:pPr algn="ctr"/>
+            <a:r>
+              <a:rPr lang="fr-FR" b="1" dirty="0" smtClean="0">
+                <a:latin typeface="Akzidenz-Grotesk BQ" pitchFamily="50" charset="0"/>
+              </a:rPr>
+              <a:t>Compétences </a:t>
+            </a:r>
+            <a:r>
+              <a:rPr lang="fr-FR" b="1" dirty="0" smtClean="0">
+                <a:latin typeface="Akzidenz-Grotesk BQ" pitchFamily="50" charset="0"/>
+              </a:rPr>
+              <a:t>acquises</a:t>
+            </a:r>
+            <a:endParaRPr lang="fr-FR" b="1" dirty="0">
+              <a:latin typeface="Akzidenz-Grotesk BQ" pitchFamily="50" charset="0"/>
+            </a:endParaRPr>
+          </a:p>
+        </p:txBody>
+      </p:sp>
+      <p:sp>
+        <p:nvSpPr>
+          <p:cNvPr id="17" name="Rectangle 16"/>
+          <p:cNvSpPr/>
+          <p:nvPr/>
+        </p:nvSpPr>
+        <p:spPr>
+          <a:xfrm>
+            <a:off x="1123617" y="2811708"/>
+            <a:ext cx="10108685" cy="954107"/>
+          </a:xfrm>
+          <a:prstGeom prst="rect">
+            <a:avLst/>
+          </a:prstGeom>
+        </p:spPr>
+        <p:txBody>
+          <a:bodyPr wrap="square">
+            <a:spAutoFit/>
+          </a:bodyPr>
+          <a:lstStyle/>
+          <a:p>
+            <a:pPr marL="285750" indent="-285750">
+              <a:buFont typeface="Arial" panose="020B0604020202020204" pitchFamily="34" charset="0"/>
+              <a:buChar char="•"/>
+            </a:pPr>
+            <a:r>
+              <a:rPr lang="fr-FR" sz="2800" dirty="0" smtClean="0"/>
+              <a:t>Utiliser un ORM (Peewee)</a:t>
+            </a:r>
+            <a:r>
               <a:rPr lang="fr-FR" sz="2800" dirty="0"/>
-              <a:t>Créer un </a:t>
-            </a:r>
-            <a:r>
-              <a:rPr lang="fr-FR" sz="2800" dirty="0" err="1"/>
-              <a:t>M</a:t>
-            </a:r>
-            <a:r>
-              <a:rPr lang="fr-FR" sz="2800" dirty="0" err="1" smtClean="0"/>
-              <a:t>akefile</a:t>
-            </a:r>
-            <a:r>
-              <a:rPr lang="fr-FR" sz="2800" dirty="0"/>
-              <a:t> ;</a:t>
-            </a:r>
-            <a:endParaRPr lang="fr-FR" sz="2800" dirty="0" smtClean="0"/>
+              <a:t> </a:t>
+            </a:r>
+            <a:r>
+              <a:rPr lang="fr-FR" sz="2800" dirty="0" smtClean="0"/>
+              <a:t>;</a:t>
+            </a:r>
+          </a:p>
+          <a:p>
+            <a:pPr marL="285750" indent="-285750">
+              <a:buFont typeface="Arial" panose="020B0604020202020204" pitchFamily="34" charset="0"/>
+              <a:buChar char="•"/>
+            </a:pPr>
+            <a:r>
+              <a:rPr lang="fr-FR" sz="2800" dirty="0" smtClean="0"/>
+              <a:t>Travailler en méthode AGILE.</a:t>
+            </a:r>
+            <a:endParaRPr lang="fr-FR" sz="2800" dirty="0"/>
           </a:p>
         </p:txBody>
       </p:sp>
@@ -5304,11 +5405,7 @@
             </a:r>
             <a:r>
               <a:rPr lang="fr-FR" b="1" dirty="0" smtClean="0"/>
-              <a:t>Python </a:t>
-            </a:r>
-            <a:r>
-              <a:rPr lang="fr-FR" b="1" dirty="0" smtClean="0"/>
-              <a:t>3 </a:t>
+              <a:t>Python 3 </a:t>
             </a:r>
             <a:r>
               <a:rPr lang="fr-FR" dirty="0" smtClean="0"/>
@@ -7356,7 +7453,6 @@
               <a:rPr lang="fr-FR" sz="2800" dirty="0"/>
               <a:t>).</a:t>
             </a:r>
-            <a:endParaRPr lang="fr-FR" sz="2800" dirty="0"/>
           </a:p>
         </p:txBody>
       </p:sp>
@@ -7849,13 +7945,8 @@
             </a:r>
             <a:r>
               <a:rPr lang="fr-FR" sz="2800" b="1" dirty="0" smtClean="0"/>
-              <a:t>feuille de </a:t>
-            </a:r>
-            <a:r>
-              <a:rPr lang="fr-FR" sz="2800" b="1" dirty="0" smtClean="0"/>
-              <a:t>route.</a:t>
-            </a:r>
-            <a:endParaRPr lang="fr-FR" sz="2800" b="1" dirty="0" smtClean="0"/>
+              <a:t>feuille de route.</a:t>
+            </a:r>
           </a:p>
         </p:txBody>
       </p:sp>
@@ -9355,7 +9446,7 @@
               <a:rPr lang="fr-FR" b="1" dirty="0" smtClean="0">
                 <a:latin typeface="Akzidenz-Grotesk BQ" pitchFamily="50" charset="0"/>
               </a:rPr>
-              <a:t>Première approche</a:t>
+              <a:t>Démarche choisie</a:t>
             </a:r>
             <a:endParaRPr lang="fr-FR" b="1" dirty="0">
               <a:latin typeface="Akzidenz-Grotesk BQ" pitchFamily="50" charset="0"/>
@@ -9406,8 +9497,8 @@
         </p:nvSpPr>
         <p:spPr>
           <a:xfrm>
-            <a:off x="1123617" y="3096147"/>
-            <a:ext cx="10108685" cy="1384995"/>
+            <a:off x="1123617" y="3446535"/>
+            <a:ext cx="10108685" cy="1815882"/>
           </a:xfrm>
           <a:prstGeom prst="rect">
             <a:avLst/>
@@ -9425,15 +9516,15 @@
             </a:pPr>
             <a:r>
               <a:rPr lang="fr-FR" sz="2800" dirty="0" smtClean="0"/>
-              <a:t>Suivre le tuto </a:t>
-            </a:r>
-            <a:r>
-              <a:rPr lang="fr-FR" sz="2800" dirty="0" err="1" smtClean="0"/>
-              <a:t>Pygame</a:t>
+              <a:t>Écrire les </a:t>
+            </a:r>
+            <a:r>
+              <a:rPr lang="fr-FR" sz="2800" i="1" dirty="0" smtClean="0"/>
+              <a:t>User Stories </a:t>
             </a:r>
             <a:r>
               <a:rPr lang="fr-FR" sz="2800" dirty="0" smtClean="0"/>
-              <a:t> sur OpenClassrooms</a:t>
+              <a:t>;</a:t>
             </a:r>
           </a:p>
           <a:p>
@@ -9443,13 +9534,8 @@
             </a:pPr>
             <a:r>
               <a:rPr lang="fr-FR" sz="2800" dirty="0" smtClean="0"/>
-              <a:t>Lire la documentation de </a:t>
-            </a:r>
-            <a:r>
-              <a:rPr lang="fr-FR" sz="2800" dirty="0" err="1" smtClean="0"/>
-              <a:t>Pygame</a:t>
-            </a:r>
-            <a:endParaRPr lang="fr-FR" sz="2800" dirty="0" smtClean="0"/>
+              <a:t>Créer le projet avec un ORM ;</a:t>
+            </a:r>
           </a:p>
           <a:p>
             <a:pPr marL="285750" indent="-285750">
@@ -9458,93 +9544,9 @@
             </a:pPr>
             <a:r>
               <a:rPr lang="fr-FR" sz="2800" dirty="0" smtClean="0"/>
-              <a:t>Réalisation du jeu calquée sur le tutoriel </a:t>
-            </a:r>
-            <a:r>
-              <a:rPr lang="fr-FR" sz="2800" dirty="0" err="1" smtClean="0"/>
-              <a:t>Pygame</a:t>
-            </a:r>
-            <a:r>
-              <a:rPr lang="fr-FR" sz="2800" dirty="0" smtClean="0"/>
-              <a:t> d’OC</a:t>
-            </a:r>
-          </a:p>
-        </p:txBody>
-      </p:sp>
-      <p:sp>
-        <p:nvSpPr>
-          <p:cNvPr id="17" name="Titre 1"/>
-          <p:cNvSpPr txBox="1">
-            <a:spLocks/>
-          </p:cNvSpPr>
-          <p:nvPr/>
-        </p:nvSpPr>
-        <p:spPr>
-          <a:xfrm>
-            <a:off x="838200" y="4564196"/>
-            <a:ext cx="10515600" cy="1325563"/>
-          </a:xfrm>
-          <a:prstGeom prst="rect">
-            <a:avLst/>
-          </a:prstGeom>
-        </p:spPr>
-        <p:txBody>
-          <a:bodyPr vert="horz" lIns="91440" tIns="45720" rIns="91440" bIns="45720" rtlCol="0" anchor="ctr">
-            <a:normAutofit/>
-          </a:bodyPr>
-          <a:lstStyle>
-            <a:lvl1pPr algn="l" defTabSz="914400" rtl="0" eaLnBrk="1" latinLnBrk="0" hangingPunct="1">
-              <a:lnSpc>
-                <a:spcPct val="90000"/>
-              </a:lnSpc>
-              <a:spcBef>
-                <a:spcPct val="0"/>
-              </a:spcBef>
-              <a:buNone/>
-              <a:defRPr sz="4400" kern="1200">
-                <a:solidFill>
-                  <a:schemeClr val="tx1"/>
-                </a:solidFill>
-                <a:latin typeface="+mj-lt"/>
-                <a:ea typeface="+mj-ea"/>
-                <a:cs typeface="+mj-cs"/>
-              </a:defRPr>
-            </a:lvl1pPr>
-          </a:lstStyle>
-          <a:p>
-            <a:pPr algn="ctr"/>
-            <a:r>
-              <a:rPr lang="fr-FR" b="1" dirty="0" smtClean="0">
-                <a:latin typeface="Akzidenz-Grotesk BQ" pitchFamily="50" charset="0"/>
-              </a:rPr>
-              <a:t>Remaniement</a:t>
-            </a:r>
-            <a:endParaRPr lang="fr-FR" b="1" dirty="0">
-              <a:latin typeface="Akzidenz-Grotesk BQ" pitchFamily="50" charset="0"/>
-            </a:endParaRPr>
-          </a:p>
-        </p:txBody>
-      </p:sp>
-      <p:sp>
-        <p:nvSpPr>
-          <p:cNvPr id="18" name="Rectangle 17"/>
-          <p:cNvSpPr/>
-          <p:nvPr/>
-        </p:nvSpPr>
-        <p:spPr>
-          <a:xfrm>
-            <a:off x="1123617" y="5822525"/>
-            <a:ext cx="10108685" cy="954107"/>
-          </a:xfrm>
-          <a:prstGeom prst="rect">
-            <a:avLst/>
-          </a:prstGeom>
-        </p:spPr>
-        <p:txBody>
-          <a:bodyPr wrap="square">
-            <a:spAutoFit/>
-          </a:bodyPr>
-          <a:lstStyle/>
+              <a:t>Utiliser un CSV plutôt que l’API expérimentale ;</a:t>
+            </a:r>
+          </a:p>
           <a:p>
             <a:pPr marL="285750" indent="-285750">
               <a:buFont typeface="Arial" panose="020B0604020202020204" pitchFamily="34" charset="0"/>
@@ -9552,14 +9554,8 @@
             </a:pPr>
             <a:r>
               <a:rPr lang="fr-FR" sz="2800" dirty="0" smtClean="0"/>
-              <a:t>Orientation vers une architecture MVC plus modulable</a:t>
-            </a:r>
-          </a:p>
-          <a:p>
-            <a:pPr marL="285750" indent="-285750">
-              <a:buFont typeface="Arial" panose="020B0604020202020204" pitchFamily="34" charset="0"/>
-              <a:buChar char="•"/>
-            </a:pPr>
+              <a:t>Créer un script d’installation et un script pour utiliser l’application.</a:t>
+            </a:r>
             <a:endParaRPr lang="fr-FR" sz="2800" dirty="0" smtClean="0"/>
           </a:p>
         </p:txBody>
@@ -9588,216 +9584,9 @@
   <p:timing>
     <p:tnLst>
       <p:par>
-        <p:cTn id="1" dur="indefinite" restart="never" nodeType="tmRoot">
-          <p:childTnLst>
-            <p:seq concurrent="1" nextAc="seek">
-              <p:cTn id="2" dur="indefinite" nodeType="mainSeq">
-                <p:childTnLst>
-                  <p:par>
-                    <p:cTn id="3" fill="hold">
-                      <p:stCondLst>
-                        <p:cond delay="indefinite"/>
-                      </p:stCondLst>
-                      <p:childTnLst>
-                        <p:par>
-                          <p:cTn id="4" fill="hold">
-                            <p:stCondLst>
-                              <p:cond delay="0"/>
-                            </p:stCondLst>
-                            <p:childTnLst>
-                              <p:par>
-                                <p:cTn id="5" presetID="42" presetClass="entr" presetSubtype="0" fill="hold" grpId="0" nodeType="clickEffect">
-                                  <p:stCondLst>
-                                    <p:cond delay="0"/>
-                                  </p:stCondLst>
-                                  <p:childTnLst>
-                                    <p:set>
-                                      <p:cBhvr>
-                                        <p:cTn id="6" dur="1" fill="hold">
-                                          <p:stCondLst>
-                                            <p:cond delay="0"/>
-                                          </p:stCondLst>
-                                        </p:cTn>
-                                        <p:tgtEl>
-                                          <p:spTgt spid="17"/>
-                                        </p:tgtEl>
-                                        <p:attrNameLst>
-                                          <p:attrName>style.visibility</p:attrName>
-                                        </p:attrNameLst>
-                                      </p:cBhvr>
-                                      <p:to>
-                                        <p:strVal val="visible"/>
-                                      </p:to>
-                                    </p:set>
-                                    <p:animEffect transition="in" filter="fade">
-                                      <p:cBhvr>
-                                        <p:cTn id="7" dur="1000"/>
-                                        <p:tgtEl>
-                                          <p:spTgt spid="17"/>
-                                        </p:tgtEl>
-                                      </p:cBhvr>
-                                    </p:animEffect>
-                                    <p:anim calcmode="lin" valueType="num">
-                                      <p:cBhvr>
-                                        <p:cTn id="8" dur="1000" fill="hold"/>
-                                        <p:tgtEl>
-                                          <p:spTgt spid="17"/>
-                                        </p:tgtEl>
-                                        <p:attrNameLst>
-                                          <p:attrName>ppt_x</p:attrName>
-                                        </p:attrNameLst>
-                                      </p:cBhvr>
-                                      <p:tavLst>
-                                        <p:tav tm="0">
-                                          <p:val>
-                                            <p:strVal val="#ppt_x"/>
-                                          </p:val>
-                                        </p:tav>
-                                        <p:tav tm="100000">
-                                          <p:val>
-                                            <p:strVal val="#ppt_x"/>
-                                          </p:val>
-                                        </p:tav>
-                                      </p:tavLst>
-                                    </p:anim>
-                                    <p:anim calcmode="lin" valueType="num">
-                                      <p:cBhvr>
-                                        <p:cTn id="9" dur="1000" fill="hold"/>
-                                        <p:tgtEl>
-                                          <p:spTgt spid="17"/>
-                                        </p:tgtEl>
-                                        <p:attrNameLst>
-                                          <p:attrName>ppt_y</p:attrName>
-                                        </p:attrNameLst>
-                                      </p:cBhvr>
-                                      <p:tavLst>
-                                        <p:tav tm="0">
-                                          <p:val>
-                                            <p:strVal val="#ppt_y+.1"/>
-                                          </p:val>
-                                        </p:tav>
-                                        <p:tav tm="100000">
-                                          <p:val>
-                                            <p:strVal val="#ppt_y"/>
-                                          </p:val>
-                                        </p:tav>
-                                      </p:tavLst>
-                                    </p:anim>
-                                  </p:childTnLst>
-                                </p:cTn>
-                              </p:par>
-                              <p:par>
-                                <p:cTn id="10" presetID="42" presetClass="entr" presetSubtype="0" fill="hold" grpId="0" nodeType="withEffect">
-                                  <p:stCondLst>
-                                    <p:cond delay="0"/>
-                                  </p:stCondLst>
-                                  <p:childTnLst>
-                                    <p:set>
-                                      <p:cBhvr>
-                                        <p:cTn id="11" dur="1" fill="hold">
-                                          <p:stCondLst>
-                                            <p:cond delay="0"/>
-                                          </p:stCondLst>
-                                        </p:cTn>
-                                        <p:tgtEl>
-                                          <p:spTgt spid="18"/>
-                                        </p:tgtEl>
-                                        <p:attrNameLst>
-                                          <p:attrName>style.visibility</p:attrName>
-                                        </p:attrNameLst>
-                                      </p:cBhvr>
-                                      <p:to>
-                                        <p:strVal val="visible"/>
-                                      </p:to>
-                                    </p:set>
-                                    <p:animEffect transition="in" filter="fade">
-                                      <p:cBhvr>
-                                        <p:cTn id="12" dur="1000"/>
-                                        <p:tgtEl>
-                                          <p:spTgt spid="18"/>
-                                        </p:tgtEl>
-                                      </p:cBhvr>
-                                    </p:animEffect>
-                                    <p:anim calcmode="lin" valueType="num">
-                                      <p:cBhvr>
-                                        <p:cTn id="13" dur="1000" fill="hold"/>
-                                        <p:tgtEl>
-                                          <p:spTgt spid="18"/>
-                                        </p:tgtEl>
-                                        <p:attrNameLst>
-                                          <p:attrName>ppt_x</p:attrName>
-                                        </p:attrNameLst>
-                                      </p:cBhvr>
-                                      <p:tavLst>
-                                        <p:tav tm="0">
-                                          <p:val>
-                                            <p:strVal val="#ppt_x"/>
-                                          </p:val>
-                                        </p:tav>
-                                        <p:tav tm="100000">
-                                          <p:val>
-                                            <p:strVal val="#ppt_x"/>
-                                          </p:val>
-                                        </p:tav>
-                                      </p:tavLst>
-                                    </p:anim>
-                                    <p:anim calcmode="lin" valueType="num">
-                                      <p:cBhvr>
-                                        <p:cTn id="14" dur="1000" fill="hold"/>
-                                        <p:tgtEl>
-                                          <p:spTgt spid="18"/>
-                                        </p:tgtEl>
-                                        <p:attrNameLst>
-                                          <p:attrName>ppt_y</p:attrName>
-                                        </p:attrNameLst>
-                                      </p:cBhvr>
-                                      <p:tavLst>
-                                        <p:tav tm="0">
-                                          <p:val>
-                                            <p:strVal val="#ppt_y+.1"/>
-                                          </p:val>
-                                        </p:tav>
-                                        <p:tav tm="100000">
-                                          <p:val>
-                                            <p:strVal val="#ppt_y"/>
-                                          </p:val>
-                                        </p:tav>
-                                      </p:tavLst>
-                                    </p:anim>
-                                  </p:childTnLst>
-                                </p:cTn>
-                              </p:par>
-                            </p:childTnLst>
-                          </p:cTn>
-                        </p:par>
-                      </p:childTnLst>
-                    </p:cTn>
-                  </p:par>
-                </p:childTnLst>
-              </p:cTn>
-              <p:prevCondLst>
-                <p:cond evt="onPrev" delay="0">
-                  <p:tgtEl>
-                    <p:sldTgt/>
-                  </p:tgtEl>
-                </p:cond>
-              </p:prevCondLst>
-              <p:nextCondLst>
-                <p:cond evt="onNext" delay="0">
-                  <p:tgtEl>
-                    <p:sldTgt/>
-                  </p:tgtEl>
-                </p:cond>
-              </p:nextCondLst>
-            </p:seq>
-          </p:childTnLst>
-        </p:cTn>
+        <p:cTn id="1" dur="indefinite" restart="never" nodeType="tmRoot"/>
       </p:par>
     </p:tnLst>
-    <p:bldLst>
-      <p:bldP spid="17" grpId="0"/>
-      <p:bldP spid="18" grpId="0"/>
-    </p:bldLst>
   </p:timing>
 </p:sld>
 </file>
@@ -10370,11 +10159,12 @@
             </a:lvl1pPr>
           </a:lstStyle>
           <a:p>
+            <a:pPr algn="ctr"/>
             <a:r>
               <a:rPr lang="fr-FR" sz="3200" dirty="0" smtClean="0">
                 <a:latin typeface="Akzidenz-Grotesk BQ" pitchFamily="50" charset="0"/>
               </a:rPr>
-              <a:t>Position aléatoire des objets et du gardien</a:t>
+              <a:t>Choix aléatoire d’un aliment équivalent ou plus sain</a:t>
             </a:r>
             <a:endParaRPr lang="fr-FR" sz="3200" dirty="0">
               <a:latin typeface="Akzidenz-Grotesk BQ" pitchFamily="50" charset="0"/>
@@ -10391,7 +10181,7 @@
         <p:spPr>
           <a:xfrm>
             <a:off x="838200" y="2563738"/>
-            <a:ext cx="10108685" cy="1384995"/>
+            <a:ext cx="10108685" cy="1815882"/>
           </a:xfrm>
           <a:prstGeom prst="rect">
             <a:avLst/>
@@ -10404,31 +10194,22 @@
           <a:lstStyle/>
           <a:p>
             <a:r>
-              <a:rPr lang="fr-FR" sz="2800" b="1" dirty="0" smtClean="0"/>
-              <a:t>Pseudo code :</a:t>
-            </a:r>
-          </a:p>
-          <a:p>
-            <a:r>
-              <a:rPr lang="fr-FR" sz="2800" dirty="0" err="1"/>
-              <a:t>d</a:t>
+              <a:rPr lang="fr-FR" sz="2800" dirty="0" smtClean="0"/>
+              <a:t>if (</a:t>
             </a:r>
             <a:r>
               <a:rPr lang="fr-FR" sz="2800" dirty="0" err="1" smtClean="0"/>
-              <a:t>ef</a:t>
+              <a:t>chosen_product</a:t>
+            </a:r>
+            <a:r>
+              <a:rPr lang="fr-FR" sz="2800" dirty="0" err="1" smtClean="0"/>
+              <a:t>.nutri_grade</a:t>
             </a:r>
             <a:r>
               <a:rPr lang="fr-FR" sz="2800" dirty="0" smtClean="0"/>
-              <a:t> </a:t>
-            </a:r>
-            <a:r>
-              <a:rPr lang="fr-FR" sz="2800" dirty="0" err="1" smtClean="0"/>
-              <a:t>random_position</a:t>
-            </a:r>
-            <a:r>
-              <a:rPr lang="fr-FR" sz="2800" dirty="0" smtClean="0"/>
-              <a:t>(self):</a:t>
-            </a:r>
+              <a:t> == « a »):</a:t>
+            </a:r>
+            <a:endParaRPr lang="fr-FR" sz="2800" dirty="0" smtClean="0"/>
           </a:p>
           <a:p>
             <a:r>
@@ -10437,21 +10218,78 @@
             </a:r>
             <a:r>
               <a:rPr lang="fr-FR" sz="2800" dirty="0" smtClean="0"/>
-              <a:t>x, y = 0, 0</a:t>
-            </a:r>
-          </a:p>
-        </p:txBody>
-      </p:sp>
-      <p:sp>
-        <p:nvSpPr>
-          <p:cNvPr id="3" name="Rectangle 2"/>
+              <a:t>substitute = </a:t>
+            </a:r>
+            <a:r>
+              <a:rPr lang="fr-FR" sz="2800" dirty="0" err="1" smtClean="0"/>
+              <a:t>Product.select</a:t>
+            </a:r>
+            <a:r>
+              <a:rPr lang="fr-FR" sz="2800" dirty="0" smtClean="0"/>
+              <a:t>().</a:t>
+            </a:r>
+            <a:r>
+              <a:rPr lang="fr-FR" sz="2800" dirty="0" err="1" smtClean="0"/>
+              <a:t>where</a:t>
+            </a:r>
+            <a:r>
+              <a:rPr lang="fr-FR" sz="2800" dirty="0" smtClean="0"/>
+              <a:t>(</a:t>
+            </a:r>
+          </a:p>
+          <a:p>
+            <a:r>
+              <a:rPr lang="fr-FR" sz="2800" dirty="0" smtClean="0"/>
+              <a:t>		</a:t>
+            </a:r>
+            <a:r>
+              <a:rPr lang="fr-FR" sz="2800" dirty="0" err="1" smtClean="0"/>
+              <a:t>Product.nutri_grade</a:t>
+            </a:r>
+            <a:r>
+              <a:rPr lang="fr-FR" sz="2800" dirty="0" smtClean="0"/>
+              <a:t> == </a:t>
+            </a:r>
+            <a:r>
+              <a:rPr lang="fr-FR" sz="2800" dirty="0" err="1" smtClean="0"/>
+              <a:t>chosen_product.nutri_grade</a:t>
+            </a:r>
+            <a:endParaRPr lang="fr-FR" sz="2800" dirty="0" smtClean="0"/>
+          </a:p>
+          <a:p>
+            <a:r>
+              <a:rPr lang="fr-FR" sz="2800" dirty="0"/>
+              <a:t>	).</a:t>
+            </a:r>
+            <a:r>
+              <a:rPr lang="fr-FR" sz="2800" dirty="0" err="1"/>
+              <a:t>order_by</a:t>
+            </a:r>
+            <a:r>
+              <a:rPr lang="fr-FR" sz="2800" dirty="0"/>
+              <a:t>(</a:t>
+            </a:r>
+            <a:r>
+              <a:rPr lang="fr-FR" sz="2800" dirty="0" err="1"/>
+              <a:t>fn.Rand</a:t>
+            </a:r>
+            <a:r>
+              <a:rPr lang="fr-FR" sz="2800" dirty="0"/>
+              <a:t>())</a:t>
+            </a:r>
+          </a:p>
+        </p:txBody>
+      </p:sp>
+      <p:sp>
+        <p:nvSpPr>
+          <p:cNvPr id="19" name="Rectangle 18"/>
           <p:cNvSpPr/>
           <p:nvPr/>
         </p:nvSpPr>
         <p:spPr>
           <a:xfrm>
-            <a:off x="1757079" y="4471953"/>
-            <a:ext cx="10552908" cy="954107"/>
+            <a:off x="838200" y="4649586"/>
+            <a:ext cx="10108685" cy="1815882"/>
           </a:xfrm>
           <a:prstGeom prst="rect">
             <a:avLst/>
@@ -10464,156 +10302,86 @@
           <a:lstStyle/>
           <a:p>
             <a:r>
-              <a:rPr lang="fr-FR" sz="2800" dirty="0" smtClean="0"/>
-              <a:t>	x = </a:t>
+              <a:rPr lang="fr-FR" sz="2800" dirty="0" err="1"/>
+              <a:t>e</a:t>
             </a:r>
             <a:r>
               <a:rPr lang="fr-FR" sz="2800" dirty="0" err="1" smtClean="0"/>
-              <a:t>random_number</a:t>
-            </a:r>
-            <a:r>
-              <a:rPr lang="fr-FR" sz="2800" dirty="0" smtClean="0"/>
-              <a:t> in range (</a:t>
-            </a:r>
-            <a:r>
-              <a:rPr lang="fr-FR" sz="2800" dirty="0" err="1" smtClean="0"/>
-              <a:t>number_of_sprites</a:t>
-            </a:r>
-            <a:r>
-              <a:rPr lang="fr-FR" sz="2800" dirty="0" smtClean="0"/>
-              <a:t> - 1)</a:t>
-            </a:r>
-          </a:p>
-          <a:p>
-            <a:r>
-              <a:rPr lang="fr-FR" sz="2800" dirty="0" smtClean="0"/>
-              <a:t>	y = </a:t>
-            </a:r>
-            <a:r>
-              <a:rPr lang="fr-FR" sz="2800" dirty="0" err="1" smtClean="0"/>
-              <a:t>random_number</a:t>
-            </a:r>
-            <a:r>
-              <a:rPr lang="fr-FR" sz="2800" dirty="0" smtClean="0"/>
-              <a:t> in range (</a:t>
-            </a:r>
-            <a:r>
-              <a:rPr lang="fr-FR" sz="2800" dirty="0" err="1" smtClean="0"/>
-              <a:t>number_of_sprites</a:t>
-            </a:r>
-            <a:r>
-              <a:rPr lang="fr-FR" sz="2800" dirty="0" smtClean="0"/>
-              <a:t> - 1)</a:t>
-            </a:r>
-          </a:p>
-        </p:txBody>
-      </p:sp>
-      <p:sp>
-        <p:nvSpPr>
-          <p:cNvPr id="16" name="Rectangle 15"/>
-          <p:cNvSpPr/>
-          <p:nvPr/>
-        </p:nvSpPr>
-        <p:spPr>
-          <a:xfrm>
-            <a:off x="1685358" y="5426060"/>
-            <a:ext cx="6096000" cy="523220"/>
-          </a:xfrm>
-          <a:prstGeom prst="rect">
-            <a:avLst/>
-          </a:prstGeom>
-        </p:spPr>
-        <p:txBody>
-          <a:bodyPr>
-            <a:spAutoFit/>
-          </a:bodyPr>
-          <a:lstStyle/>
-          <a:p>
-            <a:r>
-              <a:rPr lang="fr-FR" sz="2800" dirty="0" err="1" smtClean="0"/>
-              <a:t>self.position</a:t>
-            </a:r>
-            <a:r>
-              <a:rPr lang="fr-FR" sz="2800" dirty="0" smtClean="0"/>
-              <a:t>(x, y) = </a:t>
-            </a:r>
-            <a:r>
-              <a:rPr lang="fr-FR" sz="2800" dirty="0" err="1" smtClean="0"/>
-              <a:t>caractère_associé</a:t>
-            </a:r>
-            <a:endParaRPr lang="fr-FR" sz="2800" dirty="0" smtClean="0"/>
-          </a:p>
-        </p:txBody>
-      </p:sp>
-      <p:sp>
-        <p:nvSpPr>
-          <p:cNvPr id="17" name="Rectangle 16"/>
-          <p:cNvSpPr/>
-          <p:nvPr/>
-        </p:nvSpPr>
-        <p:spPr>
-          <a:xfrm>
-            <a:off x="1685358" y="5949280"/>
-            <a:ext cx="1893211" cy="523220"/>
-          </a:xfrm>
-          <a:prstGeom prst="rect">
-            <a:avLst/>
-          </a:prstGeom>
-        </p:spPr>
-        <p:txBody>
-          <a:bodyPr wrap="none">
-            <a:spAutoFit/>
-          </a:bodyPr>
-          <a:lstStyle/>
-          <a:p>
-            <a:r>
-              <a:rPr lang="fr-FR" sz="2800" dirty="0" smtClean="0"/>
-              <a:t>return (x, y)</a:t>
-            </a:r>
-          </a:p>
-        </p:txBody>
-      </p:sp>
-      <p:sp>
-        <p:nvSpPr>
-          <p:cNvPr id="18" name="Rectangle 17"/>
-          <p:cNvSpPr/>
-          <p:nvPr/>
-        </p:nvSpPr>
-        <p:spPr>
-          <a:xfrm>
-            <a:off x="1734332" y="3948733"/>
-            <a:ext cx="6220229" cy="523220"/>
-          </a:xfrm>
-          <a:prstGeom prst="rect">
-            <a:avLst/>
-          </a:prstGeom>
-        </p:spPr>
-        <p:txBody>
-          <a:bodyPr wrap="none">
-            <a:spAutoFit/>
-          </a:bodyPr>
-          <a:lstStyle/>
-          <a:p>
-            <a:r>
-              <a:rPr lang="fr-FR" sz="2800" dirty="0" smtClean="0"/>
-              <a:t>Tant que </a:t>
-            </a:r>
-            <a:r>
-              <a:rPr lang="fr-FR" sz="2800" dirty="0" err="1" smtClean="0"/>
-              <a:t>self.position</a:t>
-            </a:r>
-            <a:r>
-              <a:rPr lang="fr-FR" sz="2800" dirty="0" smtClean="0"/>
-              <a:t>(x, y) n’est pas </a:t>
-            </a:r>
-            <a:r>
-              <a:rPr lang="fr-FR" sz="2800" dirty="0" err="1" smtClean="0"/>
-              <a:t>floor</a:t>
+              <a:t>lse</a:t>
             </a:r>
             <a:r>
               <a:rPr lang="fr-FR" sz="2800" dirty="0" smtClean="0"/>
               <a:t>:</a:t>
             </a:r>
+            <a:endParaRPr lang="fr-FR" sz="2800" dirty="0" smtClean="0"/>
+          </a:p>
+          <a:p>
+            <a:r>
+              <a:rPr lang="fr-FR" sz="2800" dirty="0"/>
+              <a:t>	</a:t>
+            </a:r>
+            <a:r>
+              <a:rPr lang="fr-FR" sz="2800" dirty="0" smtClean="0"/>
+              <a:t>substitute = </a:t>
+            </a:r>
+            <a:r>
+              <a:rPr lang="fr-FR" sz="2800" dirty="0" err="1" smtClean="0"/>
+              <a:t>Product.select</a:t>
+            </a:r>
+            <a:r>
+              <a:rPr lang="fr-FR" sz="2800" dirty="0" smtClean="0"/>
+              <a:t>().</a:t>
+            </a:r>
+            <a:r>
+              <a:rPr lang="fr-FR" sz="2800" dirty="0" err="1" smtClean="0"/>
+              <a:t>where</a:t>
+            </a:r>
+            <a:r>
+              <a:rPr lang="fr-FR" sz="2800" dirty="0" smtClean="0"/>
+              <a:t>(</a:t>
+            </a:r>
+          </a:p>
+          <a:p>
+            <a:r>
+              <a:rPr lang="fr-FR" sz="2800" dirty="0" smtClean="0"/>
+              <a:t>		</a:t>
+            </a:r>
+            <a:r>
+              <a:rPr lang="fr-FR" sz="2800" dirty="0" err="1" smtClean="0"/>
+              <a:t>Product.nutri_grade</a:t>
+            </a:r>
+            <a:r>
+              <a:rPr lang="fr-FR" sz="2800" dirty="0" smtClean="0"/>
+              <a:t> &lt; </a:t>
+            </a:r>
+            <a:r>
+              <a:rPr lang="fr-FR" sz="2800" dirty="0" err="1" smtClean="0"/>
+              <a:t>chosen_product.nutri_grade</a:t>
+            </a:r>
+            <a:endParaRPr lang="fr-FR" sz="2800" dirty="0" smtClean="0"/>
+          </a:p>
+          <a:p>
+            <a:r>
+              <a:rPr lang="fr-FR" sz="2800" dirty="0" smtClean="0"/>
+              <a:t>	).</a:t>
+            </a:r>
+            <a:r>
+              <a:rPr lang="fr-FR" sz="2800" dirty="0" err="1" smtClean="0"/>
+              <a:t>order_by</a:t>
+            </a:r>
+            <a:r>
+              <a:rPr lang="fr-FR" sz="2800" dirty="0" smtClean="0"/>
+              <a:t>(</a:t>
+            </a:r>
+            <a:r>
+              <a:rPr lang="fr-FR" sz="2800" dirty="0" err="1" smtClean="0"/>
+              <a:t>fn.Rand</a:t>
+            </a:r>
+            <a:r>
+              <a:rPr lang="fr-FR" sz="2800" dirty="0" smtClean="0"/>
+              <a:t>())</a:t>
+            </a:r>
+            <a:endParaRPr lang="fr-FR" sz="2800" dirty="0" smtClean="0"/>
           </a:p>
         </p:txBody>
       </p:sp>
@@ -10842,7 +10610,7 @@
                             </p:stCondLst>
                             <p:childTnLst>
                               <p:par>
-                                <p:cTn id="20" presetID="10" presetClass="entr" presetSubtype="0" fill="hold" grpId="0" nodeType="clickEffect">
+                                <p:cTn id="20" presetID="10" presetClass="entr" presetSubtype="0" fill="hold" nodeType="clickEffect">
                                   <p:stCondLst>
                                     <p:cond delay="0"/>
                                   </p:stCondLst>
@@ -10855,7 +10623,11 @@
                                           </p:stCondLst>
                                         </p:cTn>
                                         <p:tgtEl>
-                                          <p:spTgt spid="18"/>
+                                          <p:spTgt spid="15">
+                                            <p:txEl>
+                                              <p:pRg st="3" end="3"/>
+                                            </p:txEl>
+                                          </p:spTgt>
                                         </p:tgtEl>
                                         <p:attrNameLst>
                                           <p:attrName>style.visibility</p:attrName>
@@ -10869,7 +10641,11 @@
                                       <p:cBhvr>
                                         <p:cTn id="22" dur="500"/>
                                         <p:tgtEl>
-                                          <p:spTgt spid="18"/>
+                                          <p:spTgt spid="15">
+                                            <p:txEl>
+                                              <p:pRg st="3" end="3"/>
+                                            </p:txEl>
+                                          </p:spTgt>
                                         </p:tgtEl>
                                       </p:cBhvr>
                                     </p:animEffect>
@@ -10895,7 +10671,7 @@
                             </p:stCondLst>
                             <p:childTnLst>
                               <p:par>
-                                <p:cTn id="25" presetID="10" presetClass="entr" presetSubtype="0" fill="hold" grpId="0" nodeType="clickEffect">
+                                <p:cTn id="25" presetID="10" presetClass="entr" presetSubtype="0" fill="hold" nodeType="clickEffect">
                                   <p:stCondLst>
                                     <p:cond delay="0"/>
                                   </p:stCondLst>
@@ -10908,7 +10684,11 @@
                                           </p:stCondLst>
                                         </p:cTn>
                                         <p:tgtEl>
-                                          <p:spTgt spid="3"/>
+                                          <p:spTgt spid="19">
+                                            <p:txEl>
+                                              <p:pRg st="0" end="0"/>
+                                            </p:txEl>
+                                          </p:spTgt>
                                         </p:tgtEl>
                                         <p:attrNameLst>
                                           <p:attrName>style.visibility</p:attrName>
@@ -10922,7 +10702,11 @@
                                       <p:cBhvr>
                                         <p:cTn id="27" dur="500"/>
                                         <p:tgtEl>
-                                          <p:spTgt spid="3"/>
+                                          <p:spTgt spid="19">
+                                            <p:txEl>
+                                              <p:pRg st="0" end="0"/>
+                                            </p:txEl>
+                                          </p:spTgt>
                                         </p:tgtEl>
                                       </p:cBhvr>
                                     </p:animEffect>
@@ -10948,7 +10732,7 @@
                             </p:stCondLst>
                             <p:childTnLst>
                               <p:par>
-                                <p:cTn id="30" presetID="10" presetClass="entr" presetSubtype="0" fill="hold" grpId="0" nodeType="clickEffect">
+                                <p:cTn id="30" presetID="10" presetClass="entr" presetSubtype="0" fill="hold" nodeType="clickEffect">
                                   <p:stCondLst>
                                     <p:cond delay="0"/>
                                   </p:stCondLst>
@@ -10961,7 +10745,11 @@
                                           </p:stCondLst>
                                         </p:cTn>
                                         <p:tgtEl>
-                                          <p:spTgt spid="16"/>
+                                          <p:spTgt spid="19">
+                                            <p:txEl>
+                                              <p:pRg st="1" end="1"/>
+                                            </p:txEl>
+                                          </p:spTgt>
                                         </p:tgtEl>
                                         <p:attrNameLst>
                                           <p:attrName>style.visibility</p:attrName>
@@ -10975,7 +10763,11 @@
                                       <p:cBhvr>
                                         <p:cTn id="32" dur="500"/>
                                         <p:tgtEl>
-                                          <p:spTgt spid="16"/>
+                                          <p:spTgt spid="19">
+                                            <p:txEl>
+                                              <p:pRg st="1" end="1"/>
+                                            </p:txEl>
+                                          </p:spTgt>
                                         </p:tgtEl>
                                       </p:cBhvr>
                                     </p:animEffect>
@@ -11001,7 +10793,7 @@
                             </p:stCondLst>
                             <p:childTnLst>
                               <p:par>
-                                <p:cTn id="35" presetID="10" presetClass="entr" presetSubtype="0" fill="hold" grpId="0" nodeType="clickEffect">
+                                <p:cTn id="35" presetID="10" presetClass="entr" presetSubtype="0" fill="hold" nodeType="clickEffect">
                                   <p:stCondLst>
                                     <p:cond delay="0"/>
                                   </p:stCondLst>
@@ -11014,7 +10806,11 @@
                                           </p:stCondLst>
                                         </p:cTn>
                                         <p:tgtEl>
-                                          <p:spTgt spid="17"/>
+                                          <p:spTgt spid="19">
+                                            <p:txEl>
+                                              <p:pRg st="2" end="2"/>
+                                            </p:txEl>
+                                          </p:spTgt>
                                         </p:tgtEl>
                                         <p:attrNameLst>
                                           <p:attrName>style.visibility</p:attrName>
@@ -11028,7 +10824,72 @@
                                       <p:cBhvr>
                                         <p:cTn id="37" dur="500"/>
                                         <p:tgtEl>
-                                          <p:spTgt spid="17"/>
+                                          <p:spTgt spid="19">
+                                            <p:txEl>
+                                              <p:pRg st="2" end="2"/>
+                                            </p:txEl>
+                                          </p:spTgt>
+                                        </p:tgtEl>
+                                      </p:cBhvr>
+                                    </p:animEffect>
+                                  </p:childTnLst>
+                                </p:cTn>
+                              </p:par>
+                            </p:childTnLst>
+                          </p:cTn>
+                        </p:par>
+                      </p:childTnLst>
+                    </p:cTn>
+                  </p:par>
+                  <p:par>
+                    <p:cTn id="38" fill="hold">
+                      <p:stCondLst>
+                        <p:cond delay="indefinite"/>
+                      </p:stCondLst>
+                      <p:childTnLst>
+                        <p:par>
+                          <p:cTn id="39" fill="hold">
+                            <p:stCondLst>
+                              <p:cond delay="0"/>
+                            </p:stCondLst>
+                            <p:childTnLst>
+                              <p:par>
+                                <p:cTn id="40" presetID="10" presetClass="entr" presetSubtype="0" fill="hold" nodeType="clickEffect">
+                                  <p:stCondLst>
+                                    <p:cond delay="0"/>
+                                  </p:stCondLst>
+                                  <p:childTnLst>
+                                    <p:set>
+                                      <p:cBhvr>
+                                        <p:cTn id="41" dur="1" fill="hold">
+                                          <p:stCondLst>
+                                            <p:cond delay="0"/>
+                                          </p:stCondLst>
+                                        </p:cTn>
+                                        <p:tgtEl>
+                                          <p:spTgt spid="19">
+                                            <p:txEl>
+                                              <p:pRg st="3" end="3"/>
+                                            </p:txEl>
+                                          </p:spTgt>
+                                        </p:tgtEl>
+                                        <p:attrNameLst>
+                                          <p:attrName>style.visibility</p:attrName>
+                                        </p:attrNameLst>
+                                      </p:cBhvr>
+                                      <p:to>
+                                        <p:strVal val="visible"/>
+                                      </p:to>
+                                    </p:set>
+                                    <p:animEffect transition="in" filter="fade">
+                                      <p:cBhvr>
+                                        <p:cTn id="42" dur="500"/>
+                                        <p:tgtEl>
+                                          <p:spTgt spid="19">
+                                            <p:txEl>
+                                              <p:pRg st="3" end="3"/>
+                                            </p:txEl>
+                                          </p:spTgt>
                                         </p:tgtEl>
                                       </p:cBhvr>
                                     </p:animEffect>
@@ -11062,12 +10923,6 @@
         </p:cTn>
       </p:par>
     </p:tnLst>
-    <p:bldLst>
-      <p:bldP spid="3" grpId="0"/>
-      <p:bldP spid="16" grpId="0"/>
-      <p:bldP spid="17" grpId="0"/>
-      <p:bldP spid="18" grpId="0"/>
-    </p:bldLst>
   </p:timing>
 </p:sld>
 </file>
@@ -11097,69 +10952,12 @@
         </p:nvSpPr>
         <p:spPr>
           <a:xfrm>
-            <a:off x="0" y="1"/>
-            <a:ext cx="12192000" cy="624532"/>
+            <a:off x="0" y="0"/>
+            <a:ext cx="12192000" cy="6858000"/>
           </a:xfrm>
           <a:prstGeom prst="rect">
             <a:avLst/>
           </a:prstGeom>
-          <a:solidFill>
-            <a:schemeClr val="accent1"/>
-          </a:solidFill>
-          <a:ln>
-            <a:noFill/>
-          </a:ln>
-        </p:spPr>
-        <p:style>
-          <a:lnRef idx="2">
-            <a:schemeClr val="accent4">
-              <a:shade val="50000"/>
-            </a:schemeClr>
-          </a:lnRef>
-          <a:fillRef idx="1">
-            <a:schemeClr val="accent4"/>
-          </a:fillRef>
-          <a:effectRef idx="0">
-            <a:schemeClr val="accent4"/>
-          </a:effectRef>
-          <a:fontRef idx="minor">
-            <a:schemeClr val="lt1"/>
-          </a:fontRef>
-        </p:style>
-        <p:txBody>
-          <a:bodyPr anchor="ctr"/>
-          <a:lstStyle/>
-          <a:p>
-            <a:pPr algn="ctr">
-              <a:defRPr/>
-            </a:pPr>
-            <a:endParaRPr lang="fr-FR">
-              <a:latin typeface="Segoe UI" panose="020B0502040204020203" pitchFamily="34" charset="0"/>
-              <a:ea typeface="Segoe UI" panose="020B0502040204020203" pitchFamily="34" charset="0"/>
-              <a:cs typeface="Segoe UI" panose="020B0502040204020203" pitchFamily="34" charset="0"/>
-            </a:endParaRPr>
-          </a:p>
-        </p:txBody>
-      </p:sp>
-      <p:sp>
-        <p:nvSpPr>
-          <p:cNvPr id="5" name="Arrondir un rectangle avec un coin diagonal 4"/>
-          <p:cNvSpPr/>
-          <p:nvPr/>
-        </p:nvSpPr>
-        <p:spPr>
-          <a:xfrm>
-            <a:off x="9062537" y="242770"/>
-            <a:ext cx="99717" cy="117475"/>
-          </a:xfrm>
-          <a:prstGeom prst="round2DiagRect">
-            <a:avLst/>
-          </a:prstGeom>
-          <a:solidFill>
-            <a:schemeClr val="bg1">
-              <a:lumMod val="85000"/>
-            </a:schemeClr>
-          </a:solidFill>
           <a:ln>
             <a:noFill/>
           </a:ln>
@@ -11181,82 +10979,26 @@
           </a:fontRef>
         </p:style>
         <p:txBody>
-          <a:bodyPr anchor="ctr"/>
-          <a:lstStyle/>
-          <a:p>
-            <a:pPr algn="ctr">
-              <a:defRPr/>
-            </a:pPr>
-            <a:endParaRPr lang="fr-FR">
-              <a:latin typeface="Segoe UI" panose="020B0502040204020203" pitchFamily="34" charset="0"/>
-              <a:ea typeface="Segoe UI" panose="020B0502040204020203" pitchFamily="34" charset="0"/>
-              <a:cs typeface="Segoe UI" panose="020B0502040204020203" pitchFamily="34" charset="0"/>
+          <a:bodyPr rtlCol="0" anchor="ctr"/>
+          <a:lstStyle/>
+          <a:p>
+            <a:pPr algn="ctr"/>
+            <a:endParaRPr lang="fr-FR" sz="9600" b="1" dirty="0">
+              <a:latin typeface="Bebas Neue" panose="020B0606020202050201" pitchFamily="34" charset="0"/>
             </a:endParaRPr>
           </a:p>
         </p:txBody>
       </p:sp>
       <p:sp>
         <p:nvSpPr>
-          <p:cNvPr id="6" name="Arrondir un rectangle avec un coin diagonal 5"/>
-          <p:cNvSpPr/>
-          <p:nvPr/>
-        </p:nvSpPr>
-        <p:spPr>
-          <a:xfrm>
-            <a:off x="6703015" y="241182"/>
-            <a:ext cx="99717" cy="119062"/>
-          </a:xfrm>
-          <a:prstGeom prst="round2DiagRect">
-            <a:avLst/>
-          </a:prstGeom>
-          <a:solidFill>
-            <a:schemeClr val="bg1"/>
-          </a:solidFill>
-          <a:ln>
-            <a:noFill/>
-          </a:ln>
-        </p:spPr>
-        <p:style>
-          <a:lnRef idx="2">
-            <a:schemeClr val="accent1">
-              <a:shade val="50000"/>
-            </a:schemeClr>
-          </a:lnRef>
-          <a:fillRef idx="1">
-            <a:schemeClr val="accent1"/>
-          </a:fillRef>
-          <a:effectRef idx="0">
-            <a:schemeClr val="accent1"/>
-          </a:effectRef>
-          <a:fontRef idx="minor">
-            <a:schemeClr val="lt1"/>
-          </a:fontRef>
-        </p:style>
-        <p:txBody>
-          <a:bodyPr anchor="ctr"/>
-          <a:lstStyle/>
-          <a:p>
-            <a:pPr algn="ctr">
-              <a:defRPr/>
-            </a:pPr>
-            <a:endParaRPr lang="fr-FR" b="1">
-              <a:latin typeface="Segoe UI" panose="020B0502040204020203" pitchFamily="34" charset="0"/>
-              <a:ea typeface="Segoe UI" panose="020B0502040204020203" pitchFamily="34" charset="0"/>
-              <a:cs typeface="Segoe UI" panose="020B0502040204020203" pitchFamily="34" charset="0"/>
-            </a:endParaRPr>
-          </a:p>
-        </p:txBody>
-      </p:sp>
-      <p:sp>
-        <p:nvSpPr>
-          <p:cNvPr id="7" name="ZoneTexte 6"/>
+          <p:cNvPr id="6" name="ZoneTexte 5"/>
           <p:cNvSpPr txBox="1"/>
           <p:nvPr/>
         </p:nvSpPr>
         <p:spPr>
           <a:xfrm>
-            <a:off x="4581521" y="120885"/>
-            <a:ext cx="1783843" cy="369332"/>
+            <a:off x="7902545" y="310604"/>
+            <a:ext cx="2785534" cy="5386090"/>
           </a:xfrm>
           <a:prstGeom prst="rect">
             <a:avLst/>
@@ -11270,549 +11012,85 @@
           <a:lstStyle/>
           <a:p>
             <a:r>
-              <a:rPr lang="fr-FR" b="1" dirty="0" smtClean="0">
+              <a:rPr lang="fr-FR" sz="34400" b="1" dirty="0" smtClean="0">
                 <a:solidFill>
                   <a:schemeClr val="bg1">
-                    <a:lumMod val="85000"/>
+                    <a:lumMod val="95000"/>
                   </a:schemeClr>
                 </a:solidFill>
-                <a:latin typeface="Segoe UI" panose="020B0502040204020203" pitchFamily="34" charset="0"/>
-                <a:ea typeface="Segoe UI" panose="020B0502040204020203" pitchFamily="34" charset="0"/>
-                <a:cs typeface="Segoe UI" panose="020B0502040204020203" pitchFamily="34" charset="0"/>
+                <a:sym typeface="Wingdings" panose="05000000000000000000" pitchFamily="2" charset="2"/>
               </a:rPr>
-              <a:t>Pré-projet</a:t>
-            </a:r>
-            <a:endParaRPr lang="fr-FR" b="1" dirty="0">
+              <a:t>:)</a:t>
+            </a:r>
+            <a:endParaRPr lang="fr-FR" sz="34400" b="1" dirty="0">
               <a:solidFill>
                 <a:schemeClr val="bg1">
-                  <a:lumMod val="85000"/>
+                  <a:lumMod val="95000"/>
                 </a:schemeClr>
               </a:solidFill>
-              <a:latin typeface="Segoe UI" panose="020B0502040204020203" pitchFamily="34" charset="0"/>
-              <a:ea typeface="Segoe UI" panose="020B0502040204020203" pitchFamily="34" charset="0"/>
-              <a:cs typeface="Segoe UI" panose="020B0502040204020203" pitchFamily="34" charset="0"/>
             </a:endParaRPr>
           </a:p>
         </p:txBody>
       </p:sp>
       <p:sp>
         <p:nvSpPr>
-          <p:cNvPr id="8" name="ZoneTexte 7"/>
-          <p:cNvSpPr txBox="1"/>
+          <p:cNvPr id="7" name="Rectangle 6"/>
+          <p:cNvSpPr/>
           <p:nvPr/>
         </p:nvSpPr>
         <p:spPr>
           <a:xfrm>
-            <a:off x="6784527" y="119616"/>
-            <a:ext cx="1669311" cy="369332"/>
+            <a:off x="2230685" y="2680683"/>
+            <a:ext cx="5065810" cy="1569660"/>
           </a:xfrm>
           <a:prstGeom prst="rect">
             <a:avLst/>
           </a:prstGeom>
-          <a:noFill/>
-        </p:spPr>
-        <p:txBody>
-          <a:bodyPr wrap="square" rtlCol="0">
+        </p:spPr>
+        <p:txBody>
+          <a:bodyPr wrap="none">
             <a:spAutoFit/>
           </a:bodyPr>
           <a:lstStyle/>
           <a:p>
-            <a:pPr>
-              <a:tabLst>
-                <a:tab pos="177800" algn="l"/>
-              </a:tabLst>
-            </a:pPr>
-            <a:r>
-              <a:rPr lang="fr-FR" b="1" dirty="0" smtClean="0">
+            <a:pPr algn="ctr"/>
+            <a:r>
+              <a:rPr lang="fr-FR" sz="9600" b="1" dirty="0" err="1">
                 <a:solidFill>
                   <a:schemeClr val="bg1"/>
                 </a:solidFill>
-                <a:latin typeface="Segoe UI" panose="020B0502040204020203" pitchFamily="34" charset="0"/>
-                <a:ea typeface="Segoe UI" panose="020B0502040204020203" pitchFamily="34" charset="0"/>
-                <a:cs typeface="Segoe UI" panose="020B0502040204020203" pitchFamily="34" charset="0"/>
+                <a:latin typeface="Bebas Neue" panose="020B0606020202050201" pitchFamily="34" charset="0"/>
               </a:rPr>
-              <a:t>Mise en place</a:t>
-            </a:r>
-            <a:endParaRPr lang="fr-FR" b="1" dirty="0">
+              <a:t>Demo</a:t>
+            </a:r>
+            <a:r>
+              <a:rPr lang="fr-FR" sz="9600" b="1" dirty="0">
+                <a:solidFill>
+                  <a:schemeClr val="bg1"/>
+                </a:solidFill>
+                <a:latin typeface="Bebas Neue" panose="020B0606020202050201" pitchFamily="34" charset="0"/>
+              </a:rPr>
+              <a:t> time !</a:t>
+            </a:r>
+            <a:endParaRPr lang="fr-FR" sz="9600" b="1" dirty="0">
               <a:solidFill>
                 <a:schemeClr val="bg1"/>
               </a:solidFill>
-              <a:latin typeface="Segoe UI" panose="020B0502040204020203" pitchFamily="34" charset="0"/>
-              <a:ea typeface="Segoe UI" panose="020B0502040204020203" pitchFamily="34" charset="0"/>
-              <a:cs typeface="Segoe UI" panose="020B0502040204020203" pitchFamily="34" charset="0"/>
+              <a:latin typeface="Bebas Neue" panose="020B0606020202050201" pitchFamily="34" charset="0"/>
             </a:endParaRPr>
-          </a:p>
-        </p:txBody>
-      </p:sp>
-      <p:sp>
-        <p:nvSpPr>
-          <p:cNvPr id="9" name="ZoneTexte 8"/>
-          <p:cNvSpPr txBox="1"/>
-          <p:nvPr/>
-        </p:nvSpPr>
-        <p:spPr>
-          <a:xfrm>
-            <a:off x="9145245" y="119616"/>
-            <a:ext cx="1801640" cy="369332"/>
-          </a:xfrm>
-          <a:prstGeom prst="rect">
-            <a:avLst/>
-          </a:prstGeom>
-          <a:noFill/>
-        </p:spPr>
-        <p:txBody>
-          <a:bodyPr wrap="square" rtlCol="0">
-            <a:spAutoFit/>
-          </a:bodyPr>
-          <a:lstStyle/>
-          <a:p>
-            <a:r>
-              <a:rPr lang="fr-FR" b="1" dirty="0" smtClean="0">
-                <a:solidFill>
-                  <a:schemeClr val="bg1">
-                    <a:lumMod val="85000"/>
-                  </a:schemeClr>
-                </a:solidFill>
-                <a:latin typeface="Segoe UI" panose="020B0502040204020203" pitchFamily="34" charset="0"/>
-                <a:ea typeface="Segoe UI" panose="020B0502040204020203" pitchFamily="34" charset="0"/>
-                <a:cs typeface="Segoe UI" panose="020B0502040204020203" pitchFamily="34" charset="0"/>
-              </a:rPr>
-              <a:t>Post-projet</a:t>
-            </a:r>
-            <a:endParaRPr lang="fr-FR" b="1" dirty="0">
-              <a:solidFill>
-                <a:schemeClr val="bg1">
-                  <a:lumMod val="85000"/>
-                </a:schemeClr>
-              </a:solidFill>
-              <a:latin typeface="Segoe UI" panose="020B0502040204020203" pitchFamily="34" charset="0"/>
-              <a:ea typeface="Segoe UI" panose="020B0502040204020203" pitchFamily="34" charset="0"/>
-              <a:cs typeface="Segoe UI" panose="020B0502040204020203" pitchFamily="34" charset="0"/>
-            </a:endParaRPr>
-          </a:p>
-        </p:txBody>
-      </p:sp>
-      <p:sp>
-        <p:nvSpPr>
-          <p:cNvPr id="10" name="Pentagone 9"/>
-          <p:cNvSpPr/>
-          <p:nvPr/>
-        </p:nvSpPr>
-        <p:spPr>
-          <a:xfrm>
-            <a:off x="1123617" y="239913"/>
-            <a:ext cx="102968" cy="119062"/>
-          </a:xfrm>
-          <a:prstGeom prst="homePlate">
-            <a:avLst/>
-          </a:prstGeom>
-          <a:solidFill>
-            <a:schemeClr val="bg1">
-              <a:lumMod val="85000"/>
-            </a:schemeClr>
-          </a:solidFill>
-          <a:ln>
-            <a:noFill/>
-          </a:ln>
-        </p:spPr>
-        <p:style>
-          <a:lnRef idx="2">
-            <a:schemeClr val="accent1">
-              <a:shade val="50000"/>
-            </a:schemeClr>
-          </a:lnRef>
-          <a:fillRef idx="1">
-            <a:schemeClr val="accent1"/>
-          </a:fillRef>
-          <a:effectRef idx="0">
-            <a:schemeClr val="accent1"/>
-          </a:effectRef>
-          <a:fontRef idx="minor">
-            <a:schemeClr val="lt1"/>
-          </a:fontRef>
-        </p:style>
-        <p:txBody>
-          <a:bodyPr anchor="ctr"/>
-          <a:lstStyle/>
-          <a:p>
-            <a:pPr algn="ctr">
-              <a:defRPr/>
-            </a:pPr>
-            <a:endParaRPr lang="fr-FR">
-              <a:solidFill>
-                <a:schemeClr val="accent2"/>
-              </a:solidFill>
-              <a:latin typeface="Segoe UI" panose="020B0502040204020203" pitchFamily="34" charset="0"/>
-              <a:ea typeface="Segoe UI" panose="020B0502040204020203" pitchFamily="34" charset="0"/>
-              <a:cs typeface="Segoe UI" panose="020B0502040204020203" pitchFamily="34" charset="0"/>
-            </a:endParaRPr>
-          </a:p>
-        </p:txBody>
-      </p:sp>
-      <p:sp>
-        <p:nvSpPr>
-          <p:cNvPr id="11" name="ZoneTexte 10"/>
-          <p:cNvSpPr txBox="1"/>
-          <p:nvPr/>
-        </p:nvSpPr>
-        <p:spPr>
-          <a:xfrm>
-            <a:off x="1172003" y="114778"/>
-            <a:ext cx="2725527" cy="369332"/>
-          </a:xfrm>
-          <a:prstGeom prst="rect">
-            <a:avLst/>
-          </a:prstGeom>
-          <a:noFill/>
-        </p:spPr>
-        <p:txBody>
-          <a:bodyPr wrap="square" rtlCol="0">
-            <a:spAutoFit/>
-          </a:bodyPr>
-          <a:lstStyle/>
-          <a:p>
-            <a:r>
-              <a:rPr lang="fr-FR" b="1" dirty="0" smtClean="0">
-                <a:solidFill>
-                  <a:schemeClr val="bg1">
-                    <a:lumMod val="85000"/>
-                  </a:schemeClr>
-                </a:solidFill>
-                <a:latin typeface="Segoe UI" panose="020B0502040204020203" pitchFamily="34" charset="0"/>
-                <a:ea typeface="Segoe UI" panose="020B0502040204020203" pitchFamily="34" charset="0"/>
-                <a:cs typeface="Segoe UI" panose="020B0502040204020203" pitchFamily="34" charset="0"/>
-              </a:rPr>
-              <a:t>Présentation du projet</a:t>
-            </a:r>
-            <a:endParaRPr lang="fr-FR" b="1" dirty="0">
-              <a:solidFill>
-                <a:schemeClr val="bg1">
-                  <a:lumMod val="85000"/>
-                </a:schemeClr>
-              </a:solidFill>
-              <a:latin typeface="Segoe UI" panose="020B0502040204020203" pitchFamily="34" charset="0"/>
-              <a:ea typeface="Segoe UI" panose="020B0502040204020203" pitchFamily="34" charset="0"/>
-              <a:cs typeface="Segoe UI" panose="020B0502040204020203" pitchFamily="34" charset="0"/>
-            </a:endParaRPr>
-          </a:p>
-        </p:txBody>
-      </p:sp>
-      <p:sp>
-        <p:nvSpPr>
-          <p:cNvPr id="12" name="Arrondir un rectangle avec un coin diagonal 11"/>
-          <p:cNvSpPr/>
-          <p:nvPr/>
-        </p:nvSpPr>
-        <p:spPr>
-          <a:xfrm>
-            <a:off x="4505977" y="247189"/>
-            <a:ext cx="99717" cy="119062"/>
-          </a:xfrm>
-          <a:prstGeom prst="round2DiagRect">
-            <a:avLst/>
-          </a:prstGeom>
-          <a:solidFill>
-            <a:schemeClr val="bg1">
-              <a:lumMod val="85000"/>
-            </a:schemeClr>
-          </a:solidFill>
-          <a:ln>
-            <a:noFill/>
-          </a:ln>
-        </p:spPr>
-        <p:style>
-          <a:lnRef idx="2">
-            <a:schemeClr val="accent1">
-              <a:shade val="50000"/>
-            </a:schemeClr>
-          </a:lnRef>
-          <a:fillRef idx="1">
-            <a:schemeClr val="accent1"/>
-          </a:fillRef>
-          <a:effectRef idx="0">
-            <a:schemeClr val="accent1"/>
-          </a:effectRef>
-          <a:fontRef idx="minor">
-            <a:schemeClr val="lt1"/>
-          </a:fontRef>
-        </p:style>
-        <p:txBody>
-          <a:bodyPr anchor="ctr"/>
-          <a:lstStyle/>
-          <a:p>
-            <a:pPr algn="ctr">
-              <a:defRPr/>
-            </a:pPr>
-            <a:endParaRPr lang="fr-FR">
-              <a:latin typeface="Segoe UI" panose="020B0502040204020203" pitchFamily="34" charset="0"/>
-              <a:ea typeface="Segoe UI" panose="020B0502040204020203" pitchFamily="34" charset="0"/>
-              <a:cs typeface="Segoe UI" panose="020B0502040204020203" pitchFamily="34" charset="0"/>
-            </a:endParaRPr>
-          </a:p>
-        </p:txBody>
-      </p:sp>
-      <p:sp>
-        <p:nvSpPr>
-          <p:cNvPr id="13" name="Titre 1"/>
-          <p:cNvSpPr txBox="1">
-            <a:spLocks/>
-          </p:cNvSpPr>
-          <p:nvPr/>
-        </p:nvSpPr>
-        <p:spPr>
-          <a:xfrm>
-            <a:off x="838200" y="619088"/>
-            <a:ext cx="10515600" cy="1325563"/>
-          </a:xfrm>
-          <a:prstGeom prst="rect">
-            <a:avLst/>
-          </a:prstGeom>
-        </p:spPr>
-        <p:txBody>
-          <a:bodyPr vert="horz" lIns="91440" tIns="45720" rIns="91440" bIns="45720" rtlCol="0" anchor="ctr">
-            <a:normAutofit/>
-          </a:bodyPr>
-          <a:lstStyle>
-            <a:lvl1pPr algn="l" defTabSz="914400" rtl="0" eaLnBrk="1" latinLnBrk="0" hangingPunct="1">
-              <a:lnSpc>
-                <a:spcPct val="90000"/>
-              </a:lnSpc>
-              <a:spcBef>
-                <a:spcPct val="0"/>
-              </a:spcBef>
-              <a:buNone/>
-              <a:defRPr sz="4400" kern="1200">
-                <a:solidFill>
-                  <a:schemeClr val="tx1"/>
-                </a:solidFill>
-                <a:latin typeface="+mj-lt"/>
-                <a:ea typeface="+mj-ea"/>
-                <a:cs typeface="+mj-cs"/>
-              </a:defRPr>
-            </a:lvl1pPr>
-          </a:lstStyle>
-          <a:p>
-            <a:pPr algn="ctr"/>
-            <a:r>
-              <a:rPr lang="fr-FR" b="1" dirty="0" smtClean="0">
-                <a:latin typeface="Akzidenz-Grotesk BQ" pitchFamily="50" charset="0"/>
-              </a:rPr>
-              <a:t>Conformité PEP 8</a:t>
-            </a:r>
-            <a:endParaRPr lang="fr-FR" b="1" dirty="0">
-              <a:latin typeface="Akzidenz-Grotesk BQ" pitchFamily="50" charset="0"/>
-            </a:endParaRPr>
-          </a:p>
-        </p:txBody>
-      </p:sp>
-      <p:sp>
-        <p:nvSpPr>
-          <p:cNvPr id="14" name="Rectangle 13"/>
-          <p:cNvSpPr/>
-          <p:nvPr/>
-        </p:nvSpPr>
-        <p:spPr>
-          <a:xfrm>
-            <a:off x="1123617" y="1905323"/>
-            <a:ext cx="10108685" cy="954107"/>
-          </a:xfrm>
-          <a:prstGeom prst="rect">
-            <a:avLst/>
-          </a:prstGeom>
-        </p:spPr>
-        <p:txBody>
-          <a:bodyPr wrap="square">
-            <a:spAutoFit/>
-          </a:bodyPr>
-          <a:lstStyle/>
-          <a:p>
-            <a:pPr marL="285750" indent="-285750">
-              <a:buFont typeface="Arial" panose="020B0604020202020204" pitchFamily="34" charset="0"/>
-              <a:buChar char="•"/>
-            </a:pPr>
-            <a:r>
-              <a:rPr lang="fr-FR" sz="2800" dirty="0" smtClean="0"/>
-              <a:t>Utilisation du package « Anaconda » sur Sublime </a:t>
-            </a:r>
-            <a:r>
-              <a:rPr lang="fr-FR" sz="2800" dirty="0" err="1" smtClean="0"/>
-              <a:t>Text</a:t>
-            </a:r>
-            <a:r>
-              <a:rPr lang="fr-FR" sz="2800" dirty="0" smtClean="0"/>
-              <a:t>, intégrant un linter PEP8</a:t>
-            </a:r>
-          </a:p>
-        </p:txBody>
-      </p:sp>
-      <p:sp>
-        <p:nvSpPr>
-          <p:cNvPr id="15" name="Titre 1"/>
-          <p:cNvSpPr txBox="1">
-            <a:spLocks/>
-          </p:cNvSpPr>
-          <p:nvPr/>
-        </p:nvSpPr>
-        <p:spPr>
-          <a:xfrm>
-            <a:off x="838200" y="3225441"/>
-            <a:ext cx="10515600" cy="1325563"/>
-          </a:xfrm>
-          <a:prstGeom prst="rect">
-            <a:avLst/>
-          </a:prstGeom>
-        </p:spPr>
-        <p:txBody>
-          <a:bodyPr vert="horz" lIns="91440" tIns="45720" rIns="91440" bIns="45720" rtlCol="0" anchor="ctr">
-            <a:normAutofit/>
-          </a:bodyPr>
-          <a:lstStyle>
-            <a:lvl1pPr algn="l" defTabSz="914400" rtl="0" eaLnBrk="1" latinLnBrk="0" hangingPunct="1">
-              <a:lnSpc>
-                <a:spcPct val="90000"/>
-              </a:lnSpc>
-              <a:spcBef>
-                <a:spcPct val="0"/>
-              </a:spcBef>
-              <a:buNone/>
-              <a:defRPr sz="4400" kern="1200">
-                <a:solidFill>
-                  <a:schemeClr val="tx1"/>
-                </a:solidFill>
-                <a:latin typeface="+mj-lt"/>
-                <a:ea typeface="+mj-ea"/>
-                <a:cs typeface="+mj-cs"/>
-              </a:defRPr>
-            </a:lvl1pPr>
-          </a:lstStyle>
-          <a:p>
-            <a:pPr algn="ctr"/>
-            <a:r>
-              <a:rPr lang="fr-FR" b="1" dirty="0" err="1" smtClean="0">
-                <a:latin typeface="Akzidenz-Grotesk BQ" pitchFamily="50" charset="0"/>
-              </a:rPr>
-              <a:t>Standalone</a:t>
-            </a:r>
-            <a:endParaRPr lang="fr-FR" b="1" dirty="0">
-              <a:latin typeface="Akzidenz-Grotesk BQ" pitchFamily="50" charset="0"/>
-            </a:endParaRPr>
-          </a:p>
-        </p:txBody>
-      </p:sp>
-      <p:sp>
-        <p:nvSpPr>
-          <p:cNvPr id="16" name="Rectangle 15"/>
-          <p:cNvSpPr/>
-          <p:nvPr/>
-        </p:nvSpPr>
-        <p:spPr>
-          <a:xfrm>
-            <a:off x="1123617" y="4511676"/>
-            <a:ext cx="10108685" cy="1815882"/>
-          </a:xfrm>
-          <a:prstGeom prst="rect">
-            <a:avLst/>
-          </a:prstGeom>
-        </p:spPr>
-        <p:txBody>
-          <a:bodyPr wrap="square">
-            <a:spAutoFit/>
-          </a:bodyPr>
-          <a:lstStyle/>
-          <a:p>
-            <a:pPr marL="285750" indent="-285750">
-              <a:buFont typeface="Arial" panose="020B0604020202020204" pitchFamily="34" charset="0"/>
-              <a:buChar char="•"/>
-            </a:pPr>
-            <a:r>
-              <a:rPr lang="fr-FR" sz="2800" dirty="0" smtClean="0"/>
-              <a:t>Utilisation d’un environnement virtuel (</a:t>
-            </a:r>
-            <a:r>
-              <a:rPr lang="fr-FR" sz="2800" dirty="0" err="1" smtClean="0"/>
-              <a:t>virtualenv</a:t>
-            </a:r>
-            <a:r>
-              <a:rPr lang="fr-FR" sz="2800" dirty="0" smtClean="0"/>
-              <a:t>)</a:t>
-            </a:r>
-          </a:p>
-          <a:p>
-            <a:pPr marL="285750" indent="-285750">
-              <a:buFont typeface="Arial" panose="020B0604020202020204" pitchFamily="34" charset="0"/>
-              <a:buChar char="•"/>
-            </a:pPr>
-            <a:r>
-              <a:rPr lang="fr-FR" sz="2800" dirty="0" smtClean="0"/>
-              <a:t>Création d’un fichier requirements.txt via </a:t>
-            </a:r>
-            <a:r>
-              <a:rPr lang="fr-FR" sz="2800" dirty="0" err="1" smtClean="0"/>
-              <a:t>pip</a:t>
-            </a:r>
-            <a:r>
-              <a:rPr lang="fr-FR" sz="2800" dirty="0" smtClean="0"/>
-              <a:t> </a:t>
-            </a:r>
-            <a:r>
-              <a:rPr lang="fr-FR" sz="2800" dirty="0" err="1" smtClean="0"/>
-              <a:t>freeze</a:t>
-            </a:r>
-            <a:endParaRPr lang="fr-FR" sz="2800" dirty="0" smtClean="0"/>
-          </a:p>
-          <a:p>
-            <a:pPr marL="285750" indent="-285750">
-              <a:buFont typeface="Arial" panose="020B0604020202020204" pitchFamily="34" charset="0"/>
-              <a:buChar char="•"/>
-            </a:pPr>
-            <a:r>
-              <a:rPr lang="fr-FR" sz="2800" dirty="0" smtClean="0"/>
-              <a:t>Création d’un fichier </a:t>
-            </a:r>
-            <a:r>
-              <a:rPr lang="fr-FR" sz="2800" dirty="0" err="1"/>
-              <a:t>M</a:t>
-            </a:r>
-            <a:r>
-              <a:rPr lang="fr-FR" sz="2800" dirty="0" err="1" smtClean="0"/>
-              <a:t>akefile</a:t>
-            </a:r>
-            <a:endParaRPr lang="fr-FR" sz="2800" dirty="0" smtClean="0"/>
-          </a:p>
-          <a:p>
-            <a:pPr marL="285750" indent="-285750">
-              <a:buFont typeface="Arial" panose="020B0604020202020204" pitchFamily="34" charset="0"/>
-              <a:buChar char="•"/>
-            </a:pPr>
-            <a:endParaRPr lang="fr-FR" sz="2800" dirty="0" smtClean="0"/>
           </a:p>
         </p:txBody>
       </p:sp>
     </p:spTree>
     <p:extLst>
       <p:ext uri="{BB962C8B-B14F-4D97-AF65-F5344CB8AC3E}">
-        <p14:creationId xmlns:p14="http://schemas.microsoft.com/office/powerpoint/2010/main" val="1699938793"/>
+        <p14:creationId xmlns:p14="http://schemas.microsoft.com/office/powerpoint/2010/main" val="1309516323"/>
       </p:ext>
     </p:extLst>
   </p:cSld>
   <p:clrMapOvr>
     <a:masterClrMapping/>
   </p:clrMapOvr>
-  <mc:AlternateContent xmlns:mc="http://schemas.openxmlformats.org/markup-compatibility/2006" xmlns:p14="http://schemas.microsoft.com/office/powerpoint/2010/main">
-    <mc:Choice Requires="p14">
-      <p:transition spd="slow" p14:dur="2000" advTm="63834"/>
-    </mc:Choice>
-    <mc:Fallback xmlns="">
-      <p:transition spd="slow" advTm="63834"/>
-    </mc:Fallback>
-  </mc:AlternateContent>
-  <p:timing>
-    <p:tnLst>
-      <p:par>
-        <p:cTn id="1" dur="indefinite" restart="never" nodeType="tmRoot"/>
-      </p:par>
-    </p:tnLst>
-  </p:timing>
 </p:sld>
 </file>
 

--- a/doc/livrables/Projet5_OpenFoodFacts_Oral.pptx
+++ b/doc/livrables/Projet5_OpenFoodFacts_Oral.pptx
@@ -217,7 +217,7 @@
           <a:p>
             <a:fld id="{112819D6-9618-45CA-A4D0-F3F0B09DC02D}" type="datetimeFigureOut">
               <a:rPr lang="fr-FR" smtClean="0"/>
-              <a:t>06/01/2018</a:t>
+              <a:t>08/01/2018</a:t>
             </a:fld>
             <a:endParaRPr lang="fr-FR"/>
           </a:p>
@@ -616,7 +616,7 @@
           <a:p>
             <a:fld id="{79C2CD3C-23E9-4BF9-92A5-02D69918904F}" type="datetimeFigureOut">
               <a:rPr lang="fr-FR" smtClean="0"/>
-              <a:t>06/01/2018</a:t>
+              <a:t>08/01/2018</a:t>
             </a:fld>
             <a:endParaRPr lang="fr-FR"/>
           </a:p>
@@ -786,7 +786,7 @@
           <a:p>
             <a:fld id="{79C2CD3C-23E9-4BF9-92A5-02D69918904F}" type="datetimeFigureOut">
               <a:rPr lang="fr-FR" smtClean="0"/>
-              <a:t>06/01/2018</a:t>
+              <a:t>08/01/2018</a:t>
             </a:fld>
             <a:endParaRPr lang="fr-FR"/>
           </a:p>
@@ -966,7 +966,7 @@
           <a:p>
             <a:fld id="{79C2CD3C-23E9-4BF9-92A5-02D69918904F}" type="datetimeFigureOut">
               <a:rPr lang="fr-FR" smtClean="0"/>
-              <a:t>06/01/2018</a:t>
+              <a:t>08/01/2018</a:t>
             </a:fld>
             <a:endParaRPr lang="fr-FR"/>
           </a:p>
@@ -1136,7 +1136,7 @@
           <a:p>
             <a:fld id="{79C2CD3C-23E9-4BF9-92A5-02D69918904F}" type="datetimeFigureOut">
               <a:rPr lang="fr-FR" smtClean="0"/>
-              <a:t>06/01/2018</a:t>
+              <a:t>08/01/2018</a:t>
             </a:fld>
             <a:endParaRPr lang="fr-FR"/>
           </a:p>
@@ -1382,7 +1382,7 @@
           <a:p>
             <a:fld id="{79C2CD3C-23E9-4BF9-92A5-02D69918904F}" type="datetimeFigureOut">
               <a:rPr lang="fr-FR" smtClean="0"/>
-              <a:t>06/01/2018</a:t>
+              <a:t>08/01/2018</a:t>
             </a:fld>
             <a:endParaRPr lang="fr-FR"/>
           </a:p>
@@ -1614,7 +1614,7 @@
           <a:p>
             <a:fld id="{79C2CD3C-23E9-4BF9-92A5-02D69918904F}" type="datetimeFigureOut">
               <a:rPr lang="fr-FR" smtClean="0"/>
-              <a:t>06/01/2018</a:t>
+              <a:t>08/01/2018</a:t>
             </a:fld>
             <a:endParaRPr lang="fr-FR"/>
           </a:p>
@@ -1981,7 +1981,7 @@
           <a:p>
             <a:fld id="{79C2CD3C-23E9-4BF9-92A5-02D69918904F}" type="datetimeFigureOut">
               <a:rPr lang="fr-FR" smtClean="0"/>
-              <a:t>06/01/2018</a:t>
+              <a:t>08/01/2018</a:t>
             </a:fld>
             <a:endParaRPr lang="fr-FR"/>
           </a:p>
@@ -2099,7 +2099,7 @@
           <a:p>
             <a:fld id="{79C2CD3C-23E9-4BF9-92A5-02D69918904F}" type="datetimeFigureOut">
               <a:rPr lang="fr-FR" smtClean="0"/>
-              <a:t>06/01/2018</a:t>
+              <a:t>08/01/2018</a:t>
             </a:fld>
             <a:endParaRPr lang="fr-FR"/>
           </a:p>
@@ -2194,7 +2194,7 @@
           <a:p>
             <a:fld id="{79C2CD3C-23E9-4BF9-92A5-02D69918904F}" type="datetimeFigureOut">
               <a:rPr lang="fr-FR" smtClean="0"/>
-              <a:t>06/01/2018</a:t>
+              <a:t>08/01/2018</a:t>
             </a:fld>
             <a:endParaRPr lang="fr-FR"/>
           </a:p>
@@ -2471,7 +2471,7 @@
           <a:p>
             <a:fld id="{79C2CD3C-23E9-4BF9-92A5-02D69918904F}" type="datetimeFigureOut">
               <a:rPr lang="fr-FR" smtClean="0"/>
-              <a:t>06/01/2018</a:t>
+              <a:t>08/01/2018</a:t>
             </a:fld>
             <a:endParaRPr lang="fr-FR"/>
           </a:p>
@@ -2724,7 +2724,7 @@
           <a:p>
             <a:fld id="{79C2CD3C-23E9-4BF9-92A5-02D69918904F}" type="datetimeFigureOut">
               <a:rPr lang="fr-FR" smtClean="0"/>
-              <a:t>06/01/2018</a:t>
+              <a:t>08/01/2018</a:t>
             </a:fld>
             <a:endParaRPr lang="fr-FR"/>
           </a:p>
@@ -2937,7 +2937,7 @@
           <a:p>
             <a:fld id="{79C2CD3C-23E9-4BF9-92A5-02D69918904F}" type="datetimeFigureOut">
               <a:rPr lang="fr-FR" smtClean="0"/>
-              <a:t>06/01/2018</a:t>
+              <a:t>08/01/2018</a:t>
             </a:fld>
             <a:endParaRPr lang="fr-FR"/>
           </a:p>
@@ -4665,13 +4665,7 @@
               <a:rPr lang="fr-FR" b="1" dirty="0" smtClean="0">
                 <a:latin typeface="Akzidenz-Grotesk BQ" pitchFamily="50" charset="0"/>
               </a:rPr>
-              <a:t>Compétences </a:t>
-            </a:r>
-            <a:r>
-              <a:rPr lang="fr-FR" b="1" dirty="0" smtClean="0">
-                <a:latin typeface="Akzidenz-Grotesk BQ" pitchFamily="50" charset="0"/>
-              </a:rPr>
-              <a:t>renforcées</a:t>
+              <a:t>Compétences renforcées</a:t>
             </a:r>
             <a:endParaRPr lang="fr-FR" b="1" dirty="0">
               <a:latin typeface="Akzidenz-Grotesk BQ" pitchFamily="50" charset="0"/>
@@ -4804,13 +4798,7 @@
               <a:rPr lang="fr-FR" b="1" dirty="0" smtClean="0">
                 <a:latin typeface="Akzidenz-Grotesk BQ" pitchFamily="50" charset="0"/>
               </a:rPr>
-              <a:t>Compétences </a:t>
-            </a:r>
-            <a:r>
-              <a:rPr lang="fr-FR" b="1" dirty="0" smtClean="0">
-                <a:latin typeface="Akzidenz-Grotesk BQ" pitchFamily="50" charset="0"/>
-              </a:rPr>
-              <a:t>acquises</a:t>
+              <a:t>Compétences acquises</a:t>
             </a:r>
             <a:endParaRPr lang="fr-FR" b="1" dirty="0">
               <a:latin typeface="Akzidenz-Grotesk BQ" pitchFamily="50" charset="0"/>
@@ -4890,9 +4878,124 @@
   <p:timing>
     <p:tnLst>
       <p:par>
-        <p:cTn id="1" dur="indefinite" restart="never" nodeType="tmRoot"/>
+        <p:cTn id="1" dur="indefinite" restart="never" nodeType="tmRoot">
+          <p:childTnLst>
+            <p:seq concurrent="1" nextAc="seek">
+              <p:cTn id="2" dur="indefinite" nodeType="mainSeq">
+                <p:childTnLst>
+                  <p:par>
+                    <p:cTn id="3" fill="hold">
+                      <p:stCondLst>
+                        <p:cond delay="indefinite"/>
+                      </p:stCondLst>
+                      <p:childTnLst>
+                        <p:par>
+                          <p:cTn id="4" fill="hold">
+                            <p:stCondLst>
+                              <p:cond delay="0"/>
+                            </p:stCondLst>
+                            <p:childTnLst>
+                              <p:par>
+                                <p:cTn id="5" presetID="10" presetClass="entr" presetSubtype="0" fill="hold" grpId="0" nodeType="clickEffect">
+                                  <p:stCondLst>
+                                    <p:cond delay="0"/>
+                                  </p:stCondLst>
+                                  <p:childTnLst>
+                                    <p:set>
+                                      <p:cBhvr>
+                                        <p:cTn id="6" dur="1" fill="hold">
+                                          <p:stCondLst>
+                                            <p:cond delay="0"/>
+                                          </p:stCondLst>
+                                        </p:cTn>
+                                        <p:tgtEl>
+                                          <p:spTgt spid="14"/>
+                                        </p:tgtEl>
+                                        <p:attrNameLst>
+                                          <p:attrName>style.visibility</p:attrName>
+                                        </p:attrNameLst>
+                                      </p:cBhvr>
+                                      <p:to>
+                                        <p:strVal val="visible"/>
+                                      </p:to>
+                                    </p:set>
+                                    <p:animEffect transition="in" filter="fade">
+                                      <p:cBhvr>
+                                        <p:cTn id="7" dur="500"/>
+                                        <p:tgtEl>
+                                          <p:spTgt spid="14"/>
+                                        </p:tgtEl>
+                                      </p:cBhvr>
+                                    </p:animEffect>
+                                  </p:childTnLst>
+                                </p:cTn>
+                              </p:par>
+                              <p:par>
+                                <p:cTn id="8" presetID="10" presetClass="entr" presetSubtype="0" fill="hold" grpId="0" nodeType="withEffect">
+                                  <p:stCondLst>
+                                    <p:cond delay="0"/>
+                                  </p:stCondLst>
+                                  <p:childTnLst>
+                                    <p:set>
+                                      <p:cBhvr>
+                                        <p:cTn id="9" dur="1" fill="hold">
+                                          <p:stCondLst>
+                                            <p:cond delay="0"/>
+                                          </p:stCondLst>
+                                        </p:cTn>
+                                        <p:tgtEl>
+                                          <p:spTgt spid="15"/>
+                                        </p:tgtEl>
+                                        <p:attrNameLst>
+                                          <p:attrName>style.visibility</p:attrName>
+                                        </p:attrNameLst>
+                                      </p:cBhvr>
+                                      <p:to>
+                                        <p:strVal val="visible"/>
+                                      </p:to>
+                                    </p:set>
+                                    <p:animEffect transition="in" filter="fade">
+                                      <p:cBhvr>
+                                        <p:cTn id="10" dur="500"/>
+                                        <p:tgtEl>
+                                          <p:spTgt spid="15"/>
+                                        </p:tgtEl>
+                                      </p:cBhvr>
+                                    </p:animEffect>
+                                  </p:childTnLst>
+                                </p:cTn>
+                              </p:par>
+                            </p:childTnLst>
+                          </p:cTn>
+                        </p:par>
+                      </p:childTnLst>
+                    </p:cTn>
+                  </p:par>
+                </p:childTnLst>
+              </p:cTn>
+              <p:prevCondLst>
+                <p:cond evt="onPrev" delay="0">
+                  <p:tgtEl>
+                    <p:sldTgt/>
+                  </p:tgtEl>
+                </p:cond>
+              </p:prevCondLst>
+              <p:nextCondLst>
+                <p:cond evt="onNext" delay="0">
+                  <p:tgtEl>
+                    <p:sldTgt/>
+                  </p:tgtEl>
+                </p:cond>
+              </p:nextCondLst>
+            </p:seq>
+          </p:childTnLst>
+        </p:cTn>
       </p:par>
     </p:tnLst>
+    <p:bldLst>
+      <p:bldP spid="14" grpId="0"/>
+      <p:bldP spid="15" grpId="0"/>
+    </p:bldLst>
   </p:timing>
 </p:sld>
 </file>
@@ -5591,45 +5694,37 @@
                                 </p:cTn>
                               </p:par>
                               <p:par>
-                                <p:cTn id="8" presetID="10" presetClass="exit" presetSubtype="0" fill="hold" grpId="1" nodeType="withEffect">
+                                <p:cTn id="8" presetID="10" presetClass="entr" presetSubtype="0" fill="hold" nodeType="withEffect">
                                   <p:stCondLst>
                                     <p:cond delay="0"/>
                                   </p:stCondLst>
                                   <p:childTnLst>
-                                    <p:animEffect transition="out" filter="fade">
-                                      <p:cBhvr>
-                                        <p:cTn id="9" dur="500"/>
-                                        <p:tgtEl>
-                                          <p:spTgt spid="18">
-                                            <p:txEl>
-                                              <p:pRg st="0" end="0"/>
-                                            </p:txEl>
-                                          </p:spTgt>
-                                        </p:tgtEl>
-                                      </p:cBhvr>
-                                    </p:animEffect>
                                     <p:set>
                                       <p:cBhvr>
-                                        <p:cTn id="10" dur="1" fill="hold">
+                                        <p:cTn id="9" dur="1" fill="hold">
                                           <p:stCondLst>
-                                            <p:cond delay="499"/>
+                                            <p:cond delay="0"/>
                                           </p:stCondLst>
                                         </p:cTn>
                                         <p:tgtEl>
-                                          <p:spTgt spid="18">
-                                            <p:txEl>
-                                              <p:pRg st="0" end="0"/>
-                                            </p:txEl>
-                                          </p:spTgt>
+                                          <p:spTgt spid="14"/>
                                         </p:tgtEl>
                                         <p:attrNameLst>
                                           <p:attrName>style.visibility</p:attrName>
                                         </p:attrNameLst>
                                       </p:cBhvr>
                                       <p:to>
-                                        <p:strVal val="hidden"/>
+                                        <p:strVal val="visible"/>
                                       </p:to>
                                     </p:set>
+                                    <p:animEffect transition="in" filter="fade">
+                                      <p:cBhvr>
+                                        <p:cTn id="10" dur="500"/>
+                                        <p:tgtEl>
+                                          <p:spTgt spid="14"/>
+                                        </p:tgtEl>
+                                      </p:cBhvr>
+                                    </p:animEffect>
                                   </p:childTnLst>
                                 </p:cTn>
                               </p:par>
@@ -5662,7 +5757,6 @@
     </p:tnLst>
     <p:bldLst>
       <p:bldP spid="18" grpId="0" build="p"/>
-      <p:bldP spid="18" grpId="1" build="p"/>
     </p:bldLst>
   </p:timing>
 </p:sld>
@@ -6517,45 +6611,37 @@
                                 </p:cTn>
                               </p:par>
                               <p:par>
-                                <p:cTn id="8" presetID="10" presetClass="exit" presetSubtype="0" fill="hold" grpId="1" nodeType="withEffect">
+                                <p:cTn id="8" presetID="10" presetClass="entr" presetSubtype="0" fill="hold" nodeType="withEffect">
                                   <p:stCondLst>
                                     <p:cond delay="0"/>
                                   </p:stCondLst>
                                   <p:childTnLst>
-                                    <p:animEffect transition="out" filter="fade">
-                                      <p:cBhvr>
-                                        <p:cTn id="9" dur="500"/>
-                                        <p:tgtEl>
-                                          <p:spTgt spid="5">
-                                            <p:txEl>
-                                              <p:pRg st="0" end="0"/>
-                                            </p:txEl>
-                                          </p:spTgt>
-                                        </p:tgtEl>
-                                      </p:cBhvr>
-                                    </p:animEffect>
                                     <p:set>
                                       <p:cBhvr>
-                                        <p:cTn id="10" dur="1" fill="hold">
+                                        <p:cTn id="9" dur="1" fill="hold">
                                           <p:stCondLst>
-                                            <p:cond delay="499"/>
+                                            <p:cond delay="0"/>
                                           </p:stCondLst>
                                         </p:cTn>
                                         <p:tgtEl>
-                                          <p:spTgt spid="5">
-                                            <p:txEl>
-                                              <p:pRg st="0" end="0"/>
-                                            </p:txEl>
-                                          </p:spTgt>
+                                          <p:spTgt spid="16"/>
                                         </p:tgtEl>
                                         <p:attrNameLst>
                                           <p:attrName>style.visibility</p:attrName>
                                         </p:attrNameLst>
                                       </p:cBhvr>
                                       <p:to>
-                                        <p:strVal val="hidden"/>
+                                        <p:strVal val="visible"/>
                                       </p:to>
                                     </p:set>
+                                    <p:animEffect transition="in" filter="fade">
+                                      <p:cBhvr>
+                                        <p:cTn id="10" dur="500"/>
+                                        <p:tgtEl>
+                                          <p:spTgt spid="16"/>
+                                        </p:tgtEl>
+                                      </p:cBhvr>
+                                    </p:animEffect>
                                   </p:childTnLst>
                                 </p:cTn>
                               </p:par>
@@ -6588,7 +6674,6 @@
     </p:tnLst>
     <p:bldLst>
       <p:bldP spid="5" grpId="0" build="p"/>
-      <p:bldP spid="5" grpId="1" build="p"/>
     </p:bldLst>
   </p:timing>
 </p:sld>
@@ -7329,7 +7414,7 @@
         <p:spPr>
           <a:xfrm>
             <a:off x="905932" y="2269906"/>
-            <a:ext cx="11082868" cy="2246769"/>
+            <a:ext cx="11082868" cy="1815882"/>
           </a:xfrm>
           <a:prstGeom prst="rect">
             <a:avLst/>
@@ -7380,18 +7465,12 @@
               <a:buChar char="•"/>
             </a:pPr>
             <a:r>
+              <a:rPr lang="fr-FR" sz="2800" dirty="0" smtClean="0"/>
+              <a:t>Structurer </a:t>
+            </a:r>
+            <a:r>
               <a:rPr lang="fr-FR" sz="2800" dirty="0"/>
-              <a:t>Structurer les classes et leurs interactions ;</a:t>
-            </a:r>
-          </a:p>
-          <a:p>
-            <a:pPr marL="285750" indent="-285750">
-              <a:buFont typeface="Arial" panose="020B0604020202020204" pitchFamily="34" charset="0"/>
-              <a:buChar char="•"/>
-            </a:pPr>
-            <a:r>
-              <a:rPr lang="fr-FR" sz="2800" dirty="0"/>
-              <a:t>Structurer la </a:t>
+              <a:t>la </a:t>
             </a:r>
             <a:r>
               <a:rPr lang="fr-FR" sz="2800" b="1" dirty="0"/>
@@ -8085,7 +8164,7 @@
         </p:nvSpPr>
         <p:spPr>
           <a:xfrm>
-            <a:off x="838199" y="2046698"/>
+            <a:off x="838199" y="2305467"/>
             <a:ext cx="10786534" cy="523220"/>
           </a:xfrm>
           <a:prstGeom prst="rect">
@@ -8124,7 +8203,15 @@
             </a:r>
             <a:r>
               <a:rPr lang="fr-FR" sz="2800" dirty="0"/>
-              <a:t> ont été nécessaires.</a:t>
+              <a:t> </a:t>
+            </a:r>
+            <a:r>
+              <a:rPr lang="fr-FR" sz="2800" dirty="0" smtClean="0"/>
+              <a:t>nécessaires</a:t>
+            </a:r>
+            <a:r>
+              <a:rPr lang="fr-FR" sz="2800" dirty="0"/>
+              <a:t>.</a:t>
             </a:r>
             <a:endParaRPr lang="fr-FR" sz="2800" dirty="0" smtClean="0"/>
           </a:p>
@@ -8140,7 +8227,7 @@
         </p:nvSpPr>
         <p:spPr>
           <a:xfrm>
-            <a:off x="838200" y="605676"/>
+            <a:off x="838200" y="864445"/>
             <a:ext cx="10515600" cy="1325563"/>
           </a:xfrm>
           <a:prstGeom prst="rect">
@@ -8657,8 +8744,8 @@
         </p:nvSpPr>
         <p:spPr>
           <a:xfrm>
-            <a:off x="838199" y="4794426"/>
-            <a:ext cx="10108685" cy="1384995"/>
+            <a:off x="838199" y="5053195"/>
+            <a:ext cx="10108685" cy="954107"/>
           </a:xfrm>
           <a:prstGeom prst="rect">
             <a:avLst/>
@@ -8680,31 +8767,57 @@
             </a:r>
             <a:r>
               <a:rPr lang="fr-FR" sz="2800" dirty="0"/>
-              <a:t> plusieurs fois sur le modèle de base de données, en me </a:t>
-            </a:r>
-            <a:r>
-              <a:rPr lang="fr-FR" sz="2800" b="1" dirty="0"/>
-              <a:t>renseignant</a:t>
+              <a:t> </a:t>
+            </a:r>
+            <a:r>
+              <a:rPr lang="fr-FR" sz="2800" dirty="0" smtClean="0"/>
+              <a:t>sur </a:t>
             </a:r>
             <a:r>
               <a:rPr lang="fr-FR" sz="2800" dirty="0"/>
-              <a:t> bien sur les meilleures pratiques. Notamment, l’emploi de relations </a:t>
-            </a:r>
-            <a:r>
-              <a:rPr lang="fr-FR" sz="2800" b="1" dirty="0" err="1"/>
+              <a:t>le modèle de base de </a:t>
+            </a:r>
+            <a:r>
+              <a:rPr lang="fr-FR" sz="2800" dirty="0" smtClean="0"/>
+              <a:t>données.</a:t>
+            </a:r>
+          </a:p>
+          <a:p>
+            <a:pPr marL="285750" indent="-285750">
+              <a:buFont typeface="Arial" panose="020B0604020202020204" pitchFamily="34" charset="0"/>
+              <a:buChar char="•"/>
+            </a:pPr>
+            <a:r>
+              <a:rPr lang="fr-FR" sz="2800" b="1" dirty="0" err="1" smtClean="0"/>
+              <a:t>M</a:t>
+            </a:r>
+            <a:r>
+              <a:rPr lang="fr-FR" sz="2800" b="1" dirty="0" err="1" smtClean="0"/>
+              <a:t>any</a:t>
+            </a:r>
+            <a:r>
+              <a:rPr lang="fr-FR" sz="2800" b="1" dirty="0" smtClean="0"/>
+              <a:t>-to-</a:t>
+            </a:r>
+            <a:r>
+              <a:rPr lang="fr-FR" sz="2800" b="1" dirty="0" err="1" smtClean="0"/>
               <a:t>many</a:t>
             </a:r>
             <a:r>
-              <a:rPr lang="fr-FR" sz="2800" b="1" dirty="0"/>
-              <a:t>-to-</a:t>
-            </a:r>
-            <a:r>
-              <a:rPr lang="fr-FR" sz="2800" b="1" dirty="0" err="1"/>
-              <a:t>many</a:t>
+              <a:rPr lang="fr-FR" sz="2800" dirty="0" smtClean="0"/>
+              <a:t> </a:t>
             </a:r>
             <a:r>
               <a:rPr lang="fr-FR" sz="2800" dirty="0"/>
-              <a:t> et de table de </a:t>
+              <a:t>et </a:t>
+            </a:r>
+            <a:r>
+              <a:rPr lang="fr-FR" sz="2800" dirty="0" smtClean="0"/>
+              <a:t>table </a:t>
+            </a:r>
+            <a:r>
+              <a:rPr lang="fr-FR" sz="2800" dirty="0"/>
+              <a:t>de </a:t>
             </a:r>
             <a:r>
               <a:rPr lang="fr-FR" sz="2800" b="1" dirty="0"/>
@@ -8728,7 +8841,7 @@
         </p:nvSpPr>
         <p:spPr>
           <a:xfrm>
-            <a:off x="838200" y="3353404"/>
+            <a:off x="838200" y="3612173"/>
             <a:ext cx="10515600" cy="1325563"/>
           </a:xfrm>
           <a:prstGeom prst="rect">
@@ -9556,7 +9669,6 @@
               <a:rPr lang="fr-FR" sz="2800" dirty="0" smtClean="0"/>
               <a:t>Créer un script d’installation et un script pour utiliser l’application.</a:t>
             </a:r>
-            <a:endParaRPr lang="fr-FR" sz="2800" dirty="0" smtClean="0"/>
           </a:p>
         </p:txBody>
       </p:sp>
@@ -10074,7 +10186,7 @@
         </p:nvSpPr>
         <p:spPr>
           <a:xfrm>
-            <a:off x="838200" y="619088"/>
+            <a:off x="838200" y="398626"/>
             <a:ext cx="10515600" cy="1325563"/>
           </a:xfrm>
           <a:prstGeom prst="rect">
@@ -10128,7 +10240,7 @@
         </p:nvSpPr>
         <p:spPr>
           <a:xfrm>
-            <a:off x="838200" y="1400301"/>
+            <a:off x="838200" y="1093782"/>
             <a:ext cx="10515600" cy="1325563"/>
           </a:xfrm>
           <a:prstGeom prst="rect">
@@ -10180,8 +10292,8 @@
         </p:nvSpPr>
         <p:spPr>
           <a:xfrm>
-            <a:off x="838200" y="2563738"/>
-            <a:ext cx="10108685" cy="1815882"/>
+            <a:off x="838200" y="2160970"/>
+            <a:ext cx="10108685" cy="2246769"/>
           </a:xfrm>
           <a:prstGeom prst="rect">
             <a:avLst/>
@@ -10194,22 +10306,21 @@
           <a:lstStyle/>
           <a:p>
             <a:r>
+              <a:rPr lang="fr-FR" sz="2800" b="1" dirty="0" smtClean="0"/>
+              <a:t>if</a:t>
+            </a:r>
+            <a:r>
               <a:rPr lang="fr-FR" sz="2800" dirty="0" smtClean="0"/>
-              <a:t>if (</a:t>
+              <a:t> (</a:t>
             </a:r>
             <a:r>
               <a:rPr lang="fr-FR" sz="2800" dirty="0" err="1" smtClean="0"/>
-              <a:t>chosen_product</a:t>
-            </a:r>
-            <a:r>
-              <a:rPr lang="fr-FR" sz="2800" dirty="0" err="1" smtClean="0"/>
-              <a:t>.nutri_grade</a:t>
+              <a:t>chosen_product.nutri_grade</a:t>
             </a:r>
             <a:r>
               <a:rPr lang="fr-FR" sz="2800" dirty="0" smtClean="0"/>
               <a:t> == « a »):</a:t>
             </a:r>
-            <a:endParaRPr lang="fr-FR" sz="2800" dirty="0" smtClean="0"/>
           </a:p>
           <a:p>
             <a:r>
@@ -10253,6 +10364,32 @@
             <a:r>
               <a:rPr lang="fr-FR" sz="2800" dirty="0" err="1" smtClean="0"/>
               <a:t>chosen_product.nutri_grade</a:t>
+            </a:r>
+            <a:r>
+              <a:rPr lang="fr-FR" sz="2800" dirty="0" smtClean="0"/>
+              <a:t>,</a:t>
+            </a:r>
+          </a:p>
+          <a:p>
+            <a:r>
+              <a:rPr lang="fr-FR" sz="2800" dirty="0"/>
+              <a:t>	</a:t>
+            </a:r>
+            <a:r>
+              <a:rPr lang="fr-FR" sz="2800" dirty="0" smtClean="0"/>
+              <a:t>	</a:t>
+            </a:r>
+            <a:r>
+              <a:rPr lang="fr-FR" sz="2800" dirty="0" err="1" smtClean="0"/>
+              <a:t>Product.cat_id</a:t>
+            </a:r>
+            <a:r>
+              <a:rPr lang="fr-FR" sz="2800" dirty="0" smtClean="0"/>
+              <a:t> == </a:t>
+            </a:r>
+            <a:r>
+              <a:rPr lang="fr-FR" sz="2800" dirty="0" err="1" smtClean="0"/>
+              <a:t>chosen_product.cat_id</a:t>
             </a:r>
             <a:endParaRPr lang="fr-FR" sz="2800" dirty="0" smtClean="0"/>
           </a:p>
@@ -10288,8 +10425,8 @@
         </p:nvSpPr>
         <p:spPr>
           <a:xfrm>
-            <a:off x="838200" y="4649586"/>
-            <a:ext cx="10108685" cy="1815882"/>
+            <a:off x="838199" y="4407739"/>
+            <a:ext cx="10108685" cy="2246769"/>
           </a:xfrm>
           <a:prstGeom prst="rect">
             <a:avLst/>
@@ -10302,18 +10439,17 @@
           <a:lstStyle/>
           <a:p>
             <a:r>
-              <a:rPr lang="fr-FR" sz="2800" dirty="0" err="1"/>
+              <a:rPr lang="fr-FR" sz="2800" b="1" dirty="0" err="1"/>
               <a:t>e</a:t>
             </a:r>
             <a:r>
-              <a:rPr lang="fr-FR" sz="2800" dirty="0" err="1" smtClean="0"/>
+              <a:rPr lang="fr-FR" sz="2800" b="1" dirty="0" err="1" smtClean="0"/>
               <a:t>lse</a:t>
             </a:r>
             <a:r>
-              <a:rPr lang="fr-FR" sz="2800" dirty="0" smtClean="0"/>
+              <a:rPr lang="fr-FR" sz="2800" b="1" dirty="0" smtClean="0"/>
               <a:t>:</a:t>
             </a:r>
-            <a:endParaRPr lang="fr-FR" sz="2800" dirty="0" smtClean="0"/>
           </a:p>
           <a:p>
             <a:r>
@@ -10358,6 +10494,32 @@
               <a:rPr lang="fr-FR" sz="2800" dirty="0" err="1" smtClean="0"/>
               <a:t>chosen_product.nutri_grade</a:t>
             </a:r>
+            <a:r>
+              <a:rPr lang="fr-FR" sz="2800" dirty="0" smtClean="0"/>
+              <a:t>,</a:t>
+            </a:r>
+          </a:p>
+          <a:p>
+            <a:r>
+              <a:rPr lang="fr-FR" sz="2800" dirty="0" smtClean="0"/>
+              <a:t>		</a:t>
+            </a:r>
+            <a:r>
+              <a:rPr lang="fr-FR" sz="2800" dirty="0" err="1" smtClean="0"/>
+              <a:t>Product.cat_id</a:t>
+            </a:r>
+            <a:r>
+              <a:rPr lang="fr-FR" sz="2800" dirty="0" smtClean="0"/>
+              <a:t> </a:t>
+            </a:r>
+            <a:r>
+              <a:rPr lang="fr-FR" sz="2800" dirty="0"/>
+              <a:t>== </a:t>
+            </a:r>
+            <a:r>
+              <a:rPr lang="fr-FR" sz="2800" dirty="0" err="1" smtClean="0"/>
+              <a:t>chosen_product.cat_id</a:t>
+            </a:r>
             <a:endParaRPr lang="fr-FR" sz="2800" dirty="0" smtClean="0"/>
           </a:p>
           <a:p>
@@ -10381,7 +10543,6 @@
               <a:rPr lang="fr-FR" sz="2800" dirty="0" smtClean="0"/>
               <a:t>())</a:t>
             </a:r>
-            <a:endParaRPr lang="fr-FR" sz="2800" dirty="0" smtClean="0"/>
           </a:p>
         </p:txBody>
       </p:sp>
@@ -10684,9 +10845,9 @@
                                           </p:stCondLst>
                                         </p:cTn>
                                         <p:tgtEl>
-                                          <p:spTgt spid="19">
+                                          <p:spTgt spid="15">
                                             <p:txEl>
-                                              <p:pRg st="0" end="0"/>
+                                              <p:pRg st="4" end="4"/>
                                             </p:txEl>
                                           </p:spTgt>
                                         </p:tgtEl>
@@ -10702,9 +10863,9 @@
                                       <p:cBhvr>
                                         <p:cTn id="27" dur="500"/>
                                         <p:tgtEl>
-                                          <p:spTgt spid="19">
+                                          <p:spTgt spid="15">
                                             <p:txEl>
-                                              <p:pRg st="0" end="0"/>
+                                              <p:pRg st="4" end="4"/>
                                             </p:txEl>
                                           </p:spTgt>
                                         </p:tgtEl>
@@ -10747,7 +10908,7 @@
                                         <p:tgtEl>
                                           <p:spTgt spid="19">
                                             <p:txEl>
-                                              <p:pRg st="1" end="1"/>
+                                              <p:pRg st="0" end="0"/>
                                             </p:txEl>
                                           </p:spTgt>
                                         </p:tgtEl>
@@ -10765,7 +10926,7 @@
                                         <p:tgtEl>
                                           <p:spTgt spid="19">
                                             <p:txEl>
-                                              <p:pRg st="1" end="1"/>
+                                              <p:pRg st="0" end="0"/>
                                             </p:txEl>
                                           </p:spTgt>
                                         </p:tgtEl>
@@ -10808,7 +10969,7 @@
                                         <p:tgtEl>
                                           <p:spTgt spid="19">
                                             <p:txEl>
-                                              <p:pRg st="2" end="2"/>
+                                              <p:pRg st="1" end="1"/>
                                             </p:txEl>
                                           </p:spTgt>
                                         </p:tgtEl>
@@ -10826,7 +10987,7 @@
                                         <p:tgtEl>
                                           <p:spTgt spid="19">
                                             <p:txEl>
-                                              <p:pRg st="2" end="2"/>
+                                              <p:pRg st="1" end="1"/>
                                             </p:txEl>
                                           </p:spTgt>
                                         </p:tgtEl>
@@ -10869,7 +11030,7 @@
                                         <p:tgtEl>
                                           <p:spTgt spid="19">
                                             <p:txEl>
-                                              <p:pRg st="3" end="3"/>
+                                              <p:pRg st="2" end="2"/>
                                             </p:txEl>
                                           </p:spTgt>
                                         </p:tgtEl>
@@ -10887,7 +11048,129 @@
                                         <p:tgtEl>
                                           <p:spTgt spid="19">
                                             <p:txEl>
+                                              <p:pRg st="2" end="2"/>
+                                            </p:txEl>
+                                          </p:spTgt>
+                                        </p:tgtEl>
+                                      </p:cBhvr>
+                                    </p:animEffect>
+                                  </p:childTnLst>
+                                </p:cTn>
+                              </p:par>
+                            </p:childTnLst>
+                          </p:cTn>
+                        </p:par>
+                      </p:childTnLst>
+                    </p:cTn>
+                  </p:par>
+                  <p:par>
+                    <p:cTn id="43" fill="hold">
+                      <p:stCondLst>
+                        <p:cond delay="indefinite"/>
+                      </p:stCondLst>
+                      <p:childTnLst>
+                        <p:par>
+                          <p:cTn id="44" fill="hold">
+                            <p:stCondLst>
+                              <p:cond delay="0"/>
+                            </p:stCondLst>
+                            <p:childTnLst>
+                              <p:par>
+                                <p:cTn id="45" presetID="10" presetClass="entr" presetSubtype="0" fill="hold" nodeType="clickEffect">
+                                  <p:stCondLst>
+                                    <p:cond delay="0"/>
+                                  </p:stCondLst>
+                                  <p:childTnLst>
+                                    <p:set>
+                                      <p:cBhvr>
+                                        <p:cTn id="46" dur="1" fill="hold">
+                                          <p:stCondLst>
+                                            <p:cond delay="0"/>
+                                          </p:stCondLst>
+                                        </p:cTn>
+                                        <p:tgtEl>
+                                          <p:spTgt spid="19">
+                                            <p:txEl>
                                               <p:pRg st="3" end="3"/>
+                                            </p:txEl>
+                                          </p:spTgt>
+                                        </p:tgtEl>
+                                        <p:attrNameLst>
+                                          <p:attrName>style.visibility</p:attrName>
+                                        </p:attrNameLst>
+                                      </p:cBhvr>
+                                      <p:to>
+                                        <p:strVal val="visible"/>
+                                      </p:to>
+                                    </p:set>
+                                    <p:animEffect transition="in" filter="fade">
+                                      <p:cBhvr>
+                                        <p:cTn id="47" dur="500"/>
+                                        <p:tgtEl>
+                                          <p:spTgt spid="19">
+                                            <p:txEl>
+                                              <p:pRg st="3" end="3"/>
+                                            </p:txEl>
+                                          </p:spTgt>
+                                        </p:tgtEl>
+                                      </p:cBhvr>
+                                    </p:animEffect>
+                                  </p:childTnLst>
+                                </p:cTn>
+                              </p:par>
+                            </p:childTnLst>
+                          </p:cTn>
+                        </p:par>
+                      </p:childTnLst>
+                    </p:cTn>
+                  </p:par>
+                  <p:par>
+                    <p:cTn id="48" fill="hold">
+                      <p:stCondLst>
+                        <p:cond delay="indefinite"/>
+                      </p:stCondLst>
+                      <p:childTnLst>
+                        <p:par>
+                          <p:cTn id="49" fill="hold">
+                            <p:stCondLst>
+                              <p:cond delay="0"/>
+                            </p:stCondLst>
+                            <p:childTnLst>
+                              <p:par>
+                                <p:cTn id="50" presetID="10" presetClass="entr" presetSubtype="0" fill="hold" nodeType="clickEffect">
+                                  <p:stCondLst>
+                                    <p:cond delay="0"/>
+                                  </p:stCondLst>
+                                  <p:childTnLst>
+                                    <p:set>
+                                      <p:cBhvr>
+                                        <p:cTn id="51" dur="1" fill="hold">
+                                          <p:stCondLst>
+                                            <p:cond delay="0"/>
+                                          </p:stCondLst>
+                                        </p:cTn>
+                                        <p:tgtEl>
+                                          <p:spTgt spid="19">
+                                            <p:txEl>
+                                              <p:pRg st="4" end="4"/>
+                                            </p:txEl>
+                                          </p:spTgt>
+                                        </p:tgtEl>
+                                        <p:attrNameLst>
+                                          <p:attrName>style.visibility</p:attrName>
+                                        </p:attrNameLst>
+                                      </p:cBhvr>
+                                      <p:to>
+                                        <p:strVal val="visible"/>
+                                      </p:to>
+                                    </p:set>
+                                    <p:animEffect transition="in" filter="fade">
+                                      <p:cBhvr>
+                                        <p:cTn id="52" dur="500"/>
+                                        <p:tgtEl>
+                                          <p:spTgt spid="19">
+                                            <p:txEl>
+                                              <p:pRg st="4" end="4"/>
                                             </p:txEl>
                                           </p:spTgt>
                                         </p:tgtEl>
@@ -11072,12 +11355,6 @@
               </a:rPr>
               <a:t> time !</a:t>
             </a:r>
-            <a:endParaRPr lang="fr-FR" sz="9600" b="1" dirty="0">
-              <a:solidFill>
-                <a:schemeClr val="bg1"/>
-              </a:solidFill>
-              <a:latin typeface="Bebas Neue" panose="020B0606020202050201" pitchFamily="34" charset="0"/>
-            </a:endParaRPr>
           </a:p>
         </p:txBody>
       </p:sp>
@@ -11091,6 +11368,131 @@
   <p:clrMapOvr>
     <a:masterClrMapping/>
   </p:clrMapOvr>
+  <p:timing>
+    <p:tnLst>
+      <p:par>
+        <p:cTn id="1" dur="indefinite" restart="never" nodeType="tmRoot">
+          <p:childTnLst>
+            <p:seq concurrent="1" nextAc="seek">
+              <p:cTn id="2" dur="indefinite" nodeType="mainSeq">
+                <p:childTnLst>
+                  <p:par>
+                    <p:cTn id="3" fill="hold">
+                      <p:stCondLst>
+                        <p:cond delay="indefinite"/>
+                        <p:cond evt="onBegin" delay="0">
+                          <p:tn val="2"/>
+                        </p:cond>
+                      </p:stCondLst>
+                      <p:childTnLst>
+                        <p:par>
+                          <p:cTn id="4" fill="hold">
+                            <p:stCondLst>
+                              <p:cond delay="0"/>
+                            </p:stCondLst>
+                            <p:childTnLst>
+                              <p:par>
+                                <p:cTn id="5" presetID="10" presetClass="entr" presetSubtype="0" fill="hold" grpId="0" nodeType="withEffect">
+                                  <p:stCondLst>
+                                    <p:cond delay="0"/>
+                                  </p:stCondLst>
+                                  <p:childTnLst>
+                                    <p:set>
+                                      <p:cBhvr>
+                                        <p:cTn id="6" dur="1" fill="hold">
+                                          <p:stCondLst>
+                                            <p:cond delay="0"/>
+                                          </p:stCondLst>
+                                        </p:cTn>
+                                        <p:tgtEl>
+                                          <p:spTgt spid="6"/>
+                                        </p:tgtEl>
+                                        <p:attrNameLst>
+                                          <p:attrName>style.visibility</p:attrName>
+                                        </p:attrNameLst>
+                                      </p:cBhvr>
+                                      <p:to>
+                                        <p:strVal val="visible"/>
+                                      </p:to>
+                                    </p:set>
+                                    <p:animEffect transition="in" filter="fade">
+                                      <p:cBhvr>
+                                        <p:cTn id="7" dur="500"/>
+                                        <p:tgtEl>
+                                          <p:spTgt spid="6"/>
+                                        </p:tgtEl>
+                                      </p:cBhvr>
+                                    </p:animEffect>
+                                  </p:childTnLst>
+                                </p:cTn>
+                              </p:par>
+                              <p:par>
+                                <p:cTn id="8" presetID="10" presetClass="entr" presetSubtype="0" fill="hold" grpId="0" nodeType="withEffect">
+                                  <p:stCondLst>
+                                    <p:cond delay="0"/>
+                                  </p:stCondLst>
+                                  <p:childTnLst>
+                                    <p:set>
+                                      <p:cBhvr>
+                                        <p:cTn id="9" dur="1" fill="hold">
+                                          <p:stCondLst>
+                                            <p:cond delay="0"/>
+                                          </p:stCondLst>
+                                        </p:cTn>
+                                        <p:tgtEl>
+                                          <p:spTgt spid="7"/>
+                                        </p:tgtEl>
+                                        <p:attrNameLst>
+                                          <p:attrName>style.visibility</p:attrName>
+                                        </p:attrNameLst>
+                                      </p:cBhvr>
+                                      <p:to>
+                                        <p:strVal val="visible"/>
+                                      </p:to>
+                                    </p:set>
+                                    <p:animEffect transition="in" filter="fade">
+                                      <p:cBhvr>
+                                        <p:cTn id="10" dur="500"/>
+                                        <p:tgtEl>
+                                          <p:spTgt spid="7"/>
+                                        </p:tgtEl>
+                                      </p:cBhvr>
+                                    </p:animEffect>
+                                  </p:childTnLst>
+                                </p:cTn>
+                              </p:par>
+                            </p:childTnLst>
+                          </p:cTn>
+                        </p:par>
+                      </p:childTnLst>
+                    </p:cTn>
+                  </p:par>
+                </p:childTnLst>
+              </p:cTn>
+              <p:prevCondLst>
+                <p:cond evt="onPrev" delay="0">
+                  <p:tgtEl>
+                    <p:sldTgt/>
+                  </p:tgtEl>
+                </p:cond>
+              </p:prevCondLst>
+              <p:nextCondLst>
+                <p:cond evt="onNext" delay="0">
+                  <p:tgtEl>
+                    <p:sldTgt/>
+                  </p:tgtEl>
+                </p:cond>
+              </p:nextCondLst>
+            </p:seq>
+          </p:childTnLst>
+        </p:cTn>
+      </p:par>
+    </p:tnLst>
+    <p:bldLst>
+      <p:bldP spid="6" grpId="0"/>
+      <p:bldP spid="7" grpId="0"/>
+    </p:bldLst>
+  </p:timing>
 </p:sld>
 </file>
 
